--- a/Utazási- Iroda.pptx
+++ b/Utazási- Iroda.pptx
@@ -16,6 +16,7 @@
     <p:sldId id="264" r:id="rId10"/>
     <p:sldId id="265" r:id="rId11"/>
     <p:sldId id="266" r:id="rId12"/>
+    <p:sldId id="267" r:id="rId13"/>
   </p:sldIdLst>
   <p:sldSz cx="12192000" cy="6858000"/>
   <p:notesSz cx="6858000" cy="9144000"/>
@@ -7382,6 +7383,14 @@
 <file path=ppt/slides/slide11.xml><?xml version="1.0" encoding="utf-8"?>
 <p:sld xmlns:a="http://schemas.openxmlformats.org/drawingml/2006/main" xmlns:r="http://schemas.openxmlformats.org/officeDocument/2006/relationships" xmlns:p="http://schemas.openxmlformats.org/presentationml/2006/main">
   <p:cSld>
+    <p:bg>
+      <p:bgPr>
+        <a:solidFill>
+          <a:schemeClr val="bg1"/>
+        </a:solidFill>
+        <a:effectLst/>
+      </p:bgPr>
+    </p:bg>
     <p:spTree>
       <p:nvGrpSpPr>
         <p:cNvPr id="1" name=""/>
@@ -7398,6 +7407,702 @@
       </p:grpSpPr>
       <p:sp>
         <p:nvSpPr>
+          <p:cNvPr id="9" name="Rectangle 8">
+            <a:extLst>
+              <a:ext uri="{FF2B5EF4-FFF2-40B4-BE49-F238E27FC236}">
+                <a16:creationId xmlns:a16="http://schemas.microsoft.com/office/drawing/2014/main" id="{C38CD1F2-2CDE-4B42-BB23-EC7686F92569}"/>
+              </a:ext>
+              <a:ext uri="{C183D7F6-B498-43B3-948B-1728B52AA6E4}">
+                <adec:decorative xmlns:adec="http://schemas.microsoft.com/office/drawing/2017/decorative" val="1"/>
+              </a:ext>
+            </a:extLst>
+          </p:cNvPr>
+          <p:cNvSpPr>
+            <a:spLocks noGrp="1" noRot="1" noChangeAspect="1" noMove="1" noResize="1" noEditPoints="1" noAdjustHandles="1" noChangeArrowheads="1" noChangeShapeType="1" noTextEdit="1"/>
+          </p:cNvSpPr>
+          <p:nvPr>
+            <p:extLst>
+              <p:ext uri="{386F3935-93C4-4BCD-93E2-E3B085C9AB24}">
+                <p16:designElem xmlns:p16="http://schemas.microsoft.com/office/powerpoint/2015/main" val="1"/>
+              </p:ext>
+            </p:extLst>
+          </p:nvPr>
+        </p:nvSpPr>
+        <p:spPr>
+          <a:xfrm>
+            <a:off x="3048" y="0"/>
+            <a:ext cx="12188952" cy="6858000"/>
+          </a:xfrm>
+          <a:prstGeom prst="rect">
+            <a:avLst/>
+          </a:prstGeom>
+          <a:solidFill>
+            <a:schemeClr val="tx2"/>
+          </a:solidFill>
+          <a:ln>
+            <a:noFill/>
+          </a:ln>
+        </p:spPr>
+        <p:style>
+          <a:lnRef idx="2">
+            <a:schemeClr val="accent1">
+              <a:shade val="50000"/>
+            </a:schemeClr>
+          </a:lnRef>
+          <a:fillRef idx="1">
+            <a:schemeClr val="accent1"/>
+          </a:fillRef>
+          <a:effectRef idx="0">
+            <a:schemeClr val="accent1"/>
+          </a:effectRef>
+          <a:fontRef idx="minor">
+            <a:schemeClr val="lt1"/>
+          </a:fontRef>
+        </p:style>
+        <p:txBody>
+          <a:bodyPr rtlCol="0" anchor="ctr"/>
+          <a:lstStyle/>
+          <a:p>
+            <a:pPr algn="ctr"/>
+            <a:endParaRPr lang="en-US"/>
+          </a:p>
+        </p:txBody>
+      </p:sp>
+      <p:sp>
+        <p:nvSpPr>
+          <p:cNvPr id="11" name="Rectangle 10">
+            <a:extLst>
+              <a:ext uri="{FF2B5EF4-FFF2-40B4-BE49-F238E27FC236}">
+                <a16:creationId xmlns:a16="http://schemas.microsoft.com/office/drawing/2014/main" id="{E9827173-10F7-4BE6-8CC8-39A46D781209}"/>
+              </a:ext>
+              <a:ext uri="{C183D7F6-B498-43B3-948B-1728B52AA6E4}">
+                <adec:decorative xmlns:adec="http://schemas.microsoft.com/office/drawing/2017/decorative" val="1"/>
+              </a:ext>
+            </a:extLst>
+          </p:cNvPr>
+          <p:cNvSpPr>
+            <a:spLocks noGrp="1" noRot="1" noChangeAspect="1" noMove="1" noResize="1" noEditPoints="1" noAdjustHandles="1" noChangeArrowheads="1" noChangeShapeType="1" noTextEdit="1"/>
+          </p:cNvSpPr>
+          <p:nvPr>
+            <p:extLst>
+              <p:ext uri="{386F3935-93C4-4BCD-93E2-E3B085C9AB24}">
+                <p16:designElem xmlns:p16="http://schemas.microsoft.com/office/powerpoint/2015/main" val="1"/>
+              </p:ext>
+            </p:extLst>
+          </p:nvPr>
+        </p:nvSpPr>
+        <p:spPr>
+          <a:xfrm rot="10800000">
+            <a:off x="-1" y="6140785"/>
+            <a:ext cx="6095997" cy="711252"/>
+          </a:xfrm>
+          <a:prstGeom prst="rect">
+            <a:avLst/>
+          </a:prstGeom>
+          <a:gradFill flip="none" rotWithShape="1">
+            <a:gsLst>
+              <a:gs pos="10000">
+                <a:schemeClr val="tx2">
+                  <a:lumMod val="50000"/>
+                  <a:alpha val="10000"/>
+                </a:schemeClr>
+              </a:gs>
+              <a:gs pos="100000">
+                <a:schemeClr val="tx2">
+                  <a:lumMod val="60000"/>
+                  <a:lumOff val="40000"/>
+                  <a:alpha val="0"/>
+                </a:schemeClr>
+              </a:gs>
+            </a:gsLst>
+            <a:lin ang="8400000" scaled="0"/>
+            <a:tileRect/>
+          </a:gradFill>
+          <a:ln>
+            <a:noFill/>
+          </a:ln>
+        </p:spPr>
+        <p:style>
+          <a:lnRef idx="2">
+            <a:schemeClr val="accent1">
+              <a:shade val="50000"/>
+            </a:schemeClr>
+          </a:lnRef>
+          <a:fillRef idx="1">
+            <a:schemeClr val="accent1"/>
+          </a:fillRef>
+          <a:effectRef idx="0">
+            <a:schemeClr val="accent1"/>
+          </a:effectRef>
+          <a:fontRef idx="minor">
+            <a:schemeClr val="lt1"/>
+          </a:fontRef>
+        </p:style>
+        <p:txBody>
+          <a:bodyPr rtlCol="0" anchor="ctr"/>
+          <a:lstStyle/>
+          <a:p>
+            <a:pPr algn="ctr"/>
+            <a:endParaRPr lang="en-US"/>
+          </a:p>
+        </p:txBody>
+      </p:sp>
+      <p:grpSp>
+        <p:nvGrpSpPr>
+          <p:cNvPr id="13" name="Group 12">
+            <a:extLst>
+              <a:ext uri="{FF2B5EF4-FFF2-40B4-BE49-F238E27FC236}">
+                <a16:creationId xmlns:a16="http://schemas.microsoft.com/office/drawing/2014/main" id="{60FB2829-9E66-4DBD-BC15-FC5D73246DDB}"/>
+              </a:ext>
+              <a:ext uri="{C183D7F6-B498-43B3-948B-1728B52AA6E4}">
+                <adec:decorative xmlns:adec="http://schemas.microsoft.com/office/drawing/2017/decorative" val="1"/>
+              </a:ext>
+            </a:extLst>
+          </p:cNvPr>
+          <p:cNvGrpSpPr>
+            <a:grpSpLocks noGrp="1" noUngrp="1" noRot="1" noChangeAspect="1" noMove="1" noResize="1"/>
+          </p:cNvGrpSpPr>
+          <p:nvPr>
+            <p:extLst>
+              <p:ext uri="{386F3935-93C4-4BCD-93E2-E3B085C9AB24}">
+                <p16:designElem xmlns:p16="http://schemas.microsoft.com/office/powerpoint/2015/main" val="1"/>
+              </p:ext>
+            </p:extLst>
+          </p:nvPr>
+        </p:nvGrpSpPr>
+        <p:grpSpPr>
+          <a:xfrm>
+            <a:off x="1" y="2075420"/>
+            <a:ext cx="12048729" cy="4093306"/>
+            <a:chOff x="1" y="2075420"/>
+            <a:chExt cx="12048729" cy="4093306"/>
+          </a:xfrm>
+        </p:grpSpPr>
+        <p:sp>
+          <p:nvSpPr>
+            <p:cNvPr id="14" name="Oval 13">
+              <a:extLst>
+                <a:ext uri="{FF2B5EF4-FFF2-40B4-BE49-F238E27FC236}">
+                  <a16:creationId xmlns:a16="http://schemas.microsoft.com/office/drawing/2014/main" id="{E9EE2A32-8611-4375-B6B1-468FAD6825C5}"/>
+                </a:ext>
+                <a:ext uri="{C183D7F6-B498-43B3-948B-1728B52AA6E4}">
+                  <adec:decorative xmlns:adec="http://schemas.microsoft.com/office/drawing/2017/decorative" val="1"/>
+                </a:ext>
+              </a:extLst>
+            </p:cNvPr>
+            <p:cNvSpPr/>
+            <p:nvPr>
+              <p:extLst>
+                <p:ext uri="{386F3935-93C4-4BCD-93E2-E3B085C9AB24}">
+                  <p16:designElem xmlns:p16="http://schemas.microsoft.com/office/powerpoint/2015/main" val="1"/>
+                </p:ext>
+              </p:extLst>
+            </p:nvPr>
+          </p:nvSpPr>
+          <p:spPr>
+            <a:xfrm rot="4500000">
+              <a:off x="7942191" y="2507571"/>
+              <a:ext cx="3563871" cy="3563871"/>
+            </a:xfrm>
+            <a:prstGeom prst="ellipse">
+              <a:avLst/>
+            </a:prstGeom>
+            <a:noFill/>
+            <a:ln w="31750">
+              <a:gradFill>
+                <a:gsLst>
+                  <a:gs pos="0">
+                    <a:schemeClr val="tx2">
+                      <a:lumMod val="60000"/>
+                      <a:lumOff val="40000"/>
+                      <a:alpha val="10000"/>
+                    </a:schemeClr>
+                  </a:gs>
+                  <a:gs pos="100000">
+                    <a:schemeClr val="tx2">
+                      <a:lumMod val="50000"/>
+                      <a:alpha val="20000"/>
+                    </a:schemeClr>
+                  </a:gs>
+                </a:gsLst>
+                <a:lin ang="5400000" scaled="1"/>
+              </a:gradFill>
+              <a:prstDash val="sysDot"/>
+            </a:ln>
+          </p:spPr>
+          <p:style>
+            <a:lnRef idx="2">
+              <a:schemeClr val="accent1">
+                <a:shade val="50000"/>
+              </a:schemeClr>
+            </a:lnRef>
+            <a:fillRef idx="1">
+              <a:schemeClr val="accent1"/>
+            </a:fillRef>
+            <a:effectRef idx="0">
+              <a:schemeClr val="accent1"/>
+            </a:effectRef>
+            <a:fontRef idx="minor">
+              <a:schemeClr val="lt1"/>
+            </a:fontRef>
+          </p:style>
+          <p:txBody>
+            <a:bodyPr rtlCol="0" anchor="ctr"/>
+            <a:lstStyle/>
+            <a:p>
+              <a:pPr algn="ctr"/>
+              <a:endParaRPr lang="en-US"/>
+            </a:p>
+          </p:txBody>
+        </p:sp>
+        <p:sp>
+          <p:nvSpPr>
+            <p:cNvPr id="15" name="Oval 14">
+              <a:extLst>
+                <a:ext uri="{FF2B5EF4-FFF2-40B4-BE49-F238E27FC236}">
+                  <a16:creationId xmlns:a16="http://schemas.microsoft.com/office/drawing/2014/main" id="{C77E1DA0-3927-4F35-B8A3-D5D556375756}"/>
+                </a:ext>
+                <a:ext uri="{C183D7F6-B498-43B3-948B-1728B52AA6E4}">
+                  <adec:decorative xmlns:adec="http://schemas.microsoft.com/office/drawing/2017/decorative" val="1"/>
+                </a:ext>
+              </a:extLst>
+            </p:cNvPr>
+            <p:cNvSpPr/>
+            <p:nvPr>
+              <p:extLst>
+                <p:ext uri="{386F3935-93C4-4BCD-93E2-E3B085C9AB24}">
+                  <p16:designElem xmlns:p16="http://schemas.microsoft.com/office/powerpoint/2015/main" val="1"/>
+                </p:ext>
+              </p:extLst>
+            </p:nvPr>
+          </p:nvSpPr>
+          <p:spPr>
+            <a:xfrm rot="16200000">
+              <a:off x="10435065" y="4048931"/>
+              <a:ext cx="1381607" cy="1381607"/>
+            </a:xfrm>
+            <a:prstGeom prst="ellipse">
+              <a:avLst/>
+            </a:prstGeom>
+            <a:noFill/>
+            <a:ln w="31750">
+              <a:gradFill>
+                <a:gsLst>
+                  <a:gs pos="0">
+                    <a:schemeClr val="tx2">
+                      <a:lumMod val="60000"/>
+                      <a:lumOff val="40000"/>
+                      <a:alpha val="20000"/>
+                    </a:schemeClr>
+                  </a:gs>
+                  <a:gs pos="100000">
+                    <a:schemeClr val="tx2">
+                      <a:lumMod val="50000"/>
+                      <a:alpha val="20000"/>
+                    </a:schemeClr>
+                  </a:gs>
+                </a:gsLst>
+                <a:lin ang="5400000" scaled="1"/>
+              </a:gradFill>
+              <a:prstDash val="sysDot"/>
+            </a:ln>
+          </p:spPr>
+          <p:style>
+            <a:lnRef idx="2">
+              <a:schemeClr val="accent1">
+                <a:shade val="50000"/>
+              </a:schemeClr>
+            </a:lnRef>
+            <a:fillRef idx="1">
+              <a:schemeClr val="accent1"/>
+            </a:fillRef>
+            <a:effectRef idx="0">
+              <a:schemeClr val="accent1"/>
+            </a:effectRef>
+            <a:fontRef idx="minor">
+              <a:schemeClr val="lt1"/>
+            </a:fontRef>
+          </p:style>
+          <p:txBody>
+            <a:bodyPr rtlCol="0" anchor="ctr"/>
+            <a:lstStyle/>
+            <a:p>
+              <a:pPr algn="ctr"/>
+              <a:endParaRPr lang="en-US"/>
+            </a:p>
+          </p:txBody>
+        </p:sp>
+        <p:sp>
+          <p:nvSpPr>
+            <p:cNvPr id="16" name="Oval 15">
+              <a:extLst>
+                <a:ext uri="{FF2B5EF4-FFF2-40B4-BE49-F238E27FC236}">
+                  <a16:creationId xmlns:a16="http://schemas.microsoft.com/office/drawing/2014/main" id="{F7BAA08B-588E-406F-899B-A6A7FCFBE56E}"/>
+                </a:ext>
+                <a:ext uri="{C183D7F6-B498-43B3-948B-1728B52AA6E4}">
+                  <adec:decorative xmlns:adec="http://schemas.microsoft.com/office/drawing/2017/decorative" val="1"/>
+                </a:ext>
+              </a:extLst>
+            </p:cNvPr>
+            <p:cNvSpPr/>
+            <p:nvPr>
+              <p:extLst>
+                <p:ext uri="{386F3935-93C4-4BCD-93E2-E3B085C9AB24}">
+                  <p16:designElem xmlns:p16="http://schemas.microsoft.com/office/powerpoint/2015/main" val="1"/>
+                </p:ext>
+              </p:extLst>
+            </p:nvPr>
+          </p:nvSpPr>
+          <p:spPr>
+            <a:xfrm rot="16200000">
+              <a:off x="1" y="2075420"/>
+              <a:ext cx="3144364" cy="3144364"/>
+            </a:xfrm>
+            <a:prstGeom prst="ellipse">
+              <a:avLst/>
+            </a:prstGeom>
+            <a:gradFill>
+              <a:gsLst>
+                <a:gs pos="0">
+                  <a:schemeClr val="tx2">
+                    <a:lumMod val="75000"/>
+                    <a:alpha val="20000"/>
+                  </a:schemeClr>
+                </a:gs>
+                <a:gs pos="100000">
+                  <a:schemeClr val="tx2">
+                    <a:lumMod val="50000"/>
+                    <a:alpha val="10000"/>
+                  </a:schemeClr>
+                </a:gs>
+              </a:gsLst>
+              <a:lin ang="5400000" scaled="1"/>
+            </a:gradFill>
+            <a:ln>
+              <a:noFill/>
+            </a:ln>
+          </p:spPr>
+          <p:style>
+            <a:lnRef idx="2">
+              <a:schemeClr val="accent1">
+                <a:shade val="50000"/>
+              </a:schemeClr>
+            </a:lnRef>
+            <a:fillRef idx="1">
+              <a:schemeClr val="accent1"/>
+            </a:fillRef>
+            <a:effectRef idx="0">
+              <a:schemeClr val="accent1"/>
+            </a:effectRef>
+            <a:fontRef idx="minor">
+              <a:schemeClr val="lt1"/>
+            </a:fontRef>
+          </p:style>
+          <p:txBody>
+            <a:bodyPr rtlCol="0" anchor="ctr"/>
+            <a:lstStyle/>
+            <a:p>
+              <a:pPr algn="ctr"/>
+              <a:endParaRPr lang="en-US"/>
+            </a:p>
+          </p:txBody>
+        </p:sp>
+        <p:sp>
+          <p:nvSpPr>
+            <p:cNvPr id="17" name="Oval 16">
+              <a:extLst>
+                <a:ext uri="{FF2B5EF4-FFF2-40B4-BE49-F238E27FC236}">
+                  <a16:creationId xmlns:a16="http://schemas.microsoft.com/office/drawing/2014/main" id="{A8AA7C41-B331-402E-9453-95B3B82735B6}"/>
+                </a:ext>
+                <a:ext uri="{C183D7F6-B498-43B3-948B-1728B52AA6E4}">
+                  <adec:decorative xmlns:adec="http://schemas.microsoft.com/office/drawing/2017/decorative" val="1"/>
+                </a:ext>
+              </a:extLst>
+            </p:cNvPr>
+            <p:cNvSpPr/>
+            <p:nvPr>
+              <p:extLst>
+                <p:ext uri="{386F3935-93C4-4BCD-93E2-E3B085C9AB24}">
+                  <p16:designElem xmlns:p16="http://schemas.microsoft.com/office/powerpoint/2015/main" val="1"/>
+                </p:ext>
+              </p:extLst>
+            </p:nvPr>
+          </p:nvSpPr>
+          <p:spPr>
+            <a:xfrm rot="12600000">
+              <a:off x="10150845" y="4270841"/>
+              <a:ext cx="1897885" cy="1897885"/>
+            </a:xfrm>
+            <a:prstGeom prst="ellipse">
+              <a:avLst/>
+            </a:prstGeom>
+            <a:gradFill>
+              <a:gsLst>
+                <a:gs pos="0">
+                  <a:schemeClr val="tx2">
+                    <a:lumMod val="75000"/>
+                    <a:alpha val="10000"/>
+                  </a:schemeClr>
+                </a:gs>
+                <a:gs pos="100000">
+                  <a:schemeClr val="tx2">
+                    <a:lumMod val="75000"/>
+                    <a:alpha val="20000"/>
+                  </a:schemeClr>
+                </a:gs>
+              </a:gsLst>
+              <a:lin ang="5400000" scaled="1"/>
+            </a:gradFill>
+            <a:ln>
+              <a:noFill/>
+            </a:ln>
+          </p:spPr>
+          <p:style>
+            <a:lnRef idx="2">
+              <a:schemeClr val="accent1">
+                <a:shade val="50000"/>
+              </a:schemeClr>
+            </a:lnRef>
+            <a:fillRef idx="1">
+              <a:schemeClr val="accent1"/>
+            </a:fillRef>
+            <a:effectRef idx="0">
+              <a:schemeClr val="accent1"/>
+            </a:effectRef>
+            <a:fontRef idx="minor">
+              <a:schemeClr val="lt1"/>
+            </a:fontRef>
+          </p:style>
+          <p:txBody>
+            <a:bodyPr rtlCol="0" anchor="ctr"/>
+            <a:lstStyle/>
+            <a:p>
+              <a:pPr algn="ctr"/>
+              <a:endParaRPr lang="en-US" dirty="0"/>
+            </a:p>
+          </p:txBody>
+        </p:sp>
+        <p:sp>
+          <p:nvSpPr>
+            <p:cNvPr id="18" name="Oval 17">
+              <a:extLst>
+                <a:ext uri="{FF2B5EF4-FFF2-40B4-BE49-F238E27FC236}">
+                  <a16:creationId xmlns:a16="http://schemas.microsoft.com/office/drawing/2014/main" id="{A7060B3E-946D-4885-9B86-1D445209EB27}"/>
+                </a:ext>
+                <a:ext uri="{C183D7F6-B498-43B3-948B-1728B52AA6E4}">
+                  <adec:decorative xmlns:adec="http://schemas.microsoft.com/office/drawing/2017/decorative" val="1"/>
+                </a:ext>
+              </a:extLst>
+            </p:cNvPr>
+            <p:cNvSpPr/>
+            <p:nvPr>
+              <p:extLst>
+                <p:ext uri="{386F3935-93C4-4BCD-93E2-E3B085C9AB24}">
+                  <p16:designElem xmlns:p16="http://schemas.microsoft.com/office/powerpoint/2015/main" val="1"/>
+                </p:ext>
+              </p:extLst>
+            </p:nvPr>
+          </p:nvSpPr>
+          <p:spPr>
+            <a:xfrm rot="4500000">
+              <a:off x="2046780" y="3040492"/>
+              <a:ext cx="2579322" cy="2579322"/>
+            </a:xfrm>
+            <a:prstGeom prst="ellipse">
+              <a:avLst/>
+            </a:prstGeom>
+            <a:noFill/>
+            <a:ln w="31750">
+              <a:gradFill>
+                <a:gsLst>
+                  <a:gs pos="0">
+                    <a:schemeClr val="tx2">
+                      <a:lumMod val="60000"/>
+                      <a:lumOff val="40000"/>
+                      <a:alpha val="20000"/>
+                    </a:schemeClr>
+                  </a:gs>
+                  <a:gs pos="100000">
+                    <a:schemeClr val="tx2">
+                      <a:lumMod val="50000"/>
+                      <a:alpha val="20000"/>
+                    </a:schemeClr>
+                  </a:gs>
+                </a:gsLst>
+                <a:lin ang="5400000" scaled="1"/>
+              </a:gradFill>
+              <a:prstDash val="sysDot"/>
+            </a:ln>
+          </p:spPr>
+          <p:style>
+            <a:lnRef idx="2">
+              <a:schemeClr val="accent1">
+                <a:shade val="50000"/>
+              </a:schemeClr>
+            </a:lnRef>
+            <a:fillRef idx="1">
+              <a:schemeClr val="accent1"/>
+            </a:fillRef>
+            <a:effectRef idx="0">
+              <a:schemeClr val="accent1"/>
+            </a:effectRef>
+            <a:fontRef idx="minor">
+              <a:schemeClr val="lt1"/>
+            </a:fontRef>
+          </p:style>
+          <p:txBody>
+            <a:bodyPr rtlCol="0" anchor="ctr"/>
+            <a:lstStyle/>
+            <a:p>
+              <a:pPr algn="ctr"/>
+              <a:endParaRPr lang="en-US"/>
+            </a:p>
+          </p:txBody>
+        </p:sp>
+        <p:sp>
+          <p:nvSpPr>
+            <p:cNvPr id="19" name="Oval 18">
+              <a:extLst>
+                <a:ext uri="{FF2B5EF4-FFF2-40B4-BE49-F238E27FC236}">
+                  <a16:creationId xmlns:a16="http://schemas.microsoft.com/office/drawing/2014/main" id="{E3046747-F284-4990-9ECA-3DF2C6E08B48}"/>
+                </a:ext>
+                <a:ext uri="{C183D7F6-B498-43B3-948B-1728B52AA6E4}">
+                  <adec:decorative xmlns:adec="http://schemas.microsoft.com/office/drawing/2017/decorative" val="1"/>
+                </a:ext>
+              </a:extLst>
+            </p:cNvPr>
+            <p:cNvSpPr/>
+            <p:nvPr>
+              <p:extLst>
+                <p:ext uri="{386F3935-93C4-4BCD-93E2-E3B085C9AB24}">
+                  <p16:designElem xmlns:p16="http://schemas.microsoft.com/office/powerpoint/2015/main" val="1"/>
+                </p:ext>
+              </p:extLst>
+            </p:nvPr>
+          </p:nvSpPr>
+          <p:spPr>
+            <a:xfrm rot="4500000">
+              <a:off x="2224640" y="3193975"/>
+              <a:ext cx="2243193" cy="2243193"/>
+            </a:xfrm>
+            <a:prstGeom prst="ellipse">
+              <a:avLst/>
+            </a:prstGeom>
+            <a:noFill/>
+            <a:ln w="31750">
+              <a:gradFill>
+                <a:gsLst>
+                  <a:gs pos="0">
+                    <a:schemeClr val="tx2">
+                      <a:lumMod val="60000"/>
+                      <a:lumOff val="40000"/>
+                      <a:alpha val="10000"/>
+                    </a:schemeClr>
+                  </a:gs>
+                  <a:gs pos="100000">
+                    <a:schemeClr val="tx2">
+                      <a:lumMod val="50000"/>
+                      <a:alpha val="10000"/>
+                    </a:schemeClr>
+                  </a:gs>
+                </a:gsLst>
+                <a:lin ang="5400000" scaled="1"/>
+              </a:gradFill>
+            </a:ln>
+          </p:spPr>
+          <p:style>
+            <a:lnRef idx="2">
+              <a:schemeClr val="accent1">
+                <a:shade val="50000"/>
+              </a:schemeClr>
+            </a:lnRef>
+            <a:fillRef idx="1">
+              <a:schemeClr val="accent1"/>
+            </a:fillRef>
+            <a:effectRef idx="0">
+              <a:schemeClr val="accent1"/>
+            </a:effectRef>
+            <a:fontRef idx="minor">
+              <a:schemeClr val="lt1"/>
+            </a:fontRef>
+          </p:style>
+          <p:txBody>
+            <a:bodyPr rtlCol="0" anchor="ctr"/>
+            <a:lstStyle/>
+            <a:p>
+              <a:pPr algn="ctr"/>
+              <a:endParaRPr lang="en-US"/>
+            </a:p>
+          </p:txBody>
+        </p:sp>
+      </p:grpSp>
+      <p:sp>
+        <p:nvSpPr>
+          <p:cNvPr id="21" name="Rectangle 20">
+            <a:extLst>
+              <a:ext uri="{FF2B5EF4-FFF2-40B4-BE49-F238E27FC236}">
+                <a16:creationId xmlns:a16="http://schemas.microsoft.com/office/drawing/2014/main" id="{21301226-F3C6-4744-94AE-2460B381D86F}"/>
+              </a:ext>
+              <a:ext uri="{C183D7F6-B498-43B3-948B-1728B52AA6E4}">
+                <adec:decorative xmlns:adec="http://schemas.microsoft.com/office/drawing/2017/decorative" val="1"/>
+              </a:ext>
+            </a:extLst>
+          </p:cNvPr>
+          <p:cNvSpPr>
+            <a:spLocks noGrp="1" noRot="1" noChangeAspect="1" noMove="1" noResize="1" noEditPoints="1" noAdjustHandles="1" noChangeArrowheads="1" noChangeShapeType="1" noTextEdit="1"/>
+          </p:cNvSpPr>
+          <p:nvPr>
+            <p:extLst>
+              <p:ext uri="{386F3935-93C4-4BCD-93E2-E3B085C9AB24}">
+                <p16:designElem xmlns:p16="http://schemas.microsoft.com/office/powerpoint/2015/main" val="1"/>
+              </p:ext>
+            </p:extLst>
+          </p:nvPr>
+        </p:nvSpPr>
+        <p:spPr>
+          <a:xfrm>
+            <a:off x="0" y="0"/>
+            <a:ext cx="12188952" cy="6858000"/>
+          </a:xfrm>
+          <a:prstGeom prst="rect">
+            <a:avLst/>
+          </a:prstGeom>
+          <a:solidFill>
+            <a:schemeClr val="tx1">
+              <a:alpha val="53000"/>
+            </a:schemeClr>
+          </a:solidFill>
+          <a:ln>
+            <a:noFill/>
+          </a:ln>
+        </p:spPr>
+        <p:style>
+          <a:lnRef idx="2">
+            <a:schemeClr val="accent1">
+              <a:shade val="50000"/>
+            </a:schemeClr>
+          </a:lnRef>
+          <a:fillRef idx="1">
+            <a:schemeClr val="accent1"/>
+          </a:fillRef>
+          <a:effectRef idx="0">
+            <a:schemeClr val="accent1"/>
+          </a:effectRef>
+          <a:fontRef idx="minor">
+            <a:schemeClr val="lt1"/>
+          </a:fontRef>
+        </p:style>
+        <p:txBody>
+          <a:bodyPr rtlCol="0" anchor="ctr"/>
+          <a:lstStyle/>
+          <a:p>
+            <a:pPr algn="ctr"/>
+            <a:endParaRPr lang="en-US"/>
+          </a:p>
+        </p:txBody>
+      </p:sp>
+      <p:sp>
+        <p:nvSpPr>
           <p:cNvPr id="2" name="Cím 1">
             <a:extLst>
               <a:ext uri="{FF2B5EF4-FFF2-40B4-BE49-F238E27FC236}">
@@ -7412,22 +8117,2800 @@
             <p:ph type="title"/>
           </p:nvPr>
         </p:nvSpPr>
-        <p:spPr/>
+        <p:spPr>
+          <a:xfrm>
+            <a:off x="629640" y="630935"/>
+            <a:ext cx="5107366" cy="2096769"/>
+          </a:xfrm>
+          <a:noFill/>
+        </p:spPr>
         <p:txBody>
-          <a:bodyPr/>
+          <a:bodyPr vert="horz" lIns="91440" tIns="45720" rIns="91440" bIns="45720" rtlCol="0" anchor="t">
+            <a:normAutofit/>
+          </a:bodyPr>
           <a:lstStyle/>
           <a:p>
+            <a:pPr defTabSz="914400">
+              <a:lnSpc>
+                <a:spcPct val="90000"/>
+              </a:lnSpc>
+              <a:spcBef>
+                <a:spcPct val="0"/>
+              </a:spcBef>
+            </a:pPr>
             <a:r>
-              <a:rPr lang="hu-HU" dirty="0"/>
+              <a:rPr lang="en-US" sz="4800" kern="1200">
+                <a:solidFill>
+                  <a:schemeClr val="bg1"/>
+                </a:solidFill>
+                <a:latin typeface="+mj-lt"/>
+                <a:ea typeface="+mj-ea"/>
+                <a:cs typeface="+mj-cs"/>
+              </a:rPr>
               <a:t>3.opció</a:t>
             </a:r>
           </a:p>
         </p:txBody>
       </p:sp>
+      <p:sp>
+        <p:nvSpPr>
+          <p:cNvPr id="23" name="Rectangle 22">
+            <a:extLst>
+              <a:ext uri="{FF2B5EF4-FFF2-40B4-BE49-F238E27FC236}">
+                <a16:creationId xmlns:a16="http://schemas.microsoft.com/office/drawing/2014/main" id="{4EC57637-D435-4155-993A-0E3A8BBBA560}"/>
+              </a:ext>
+              <a:ext uri="{C183D7F6-B498-43B3-948B-1728B52AA6E4}">
+                <adec:decorative xmlns:adec="http://schemas.microsoft.com/office/drawing/2017/decorative" val="1"/>
+              </a:ext>
+            </a:extLst>
+          </p:cNvPr>
+          <p:cNvSpPr>
+            <a:spLocks noGrp="1" noRot="1" noChangeAspect="1" noMove="1" noResize="1" noEditPoints="1" noAdjustHandles="1" noChangeArrowheads="1" noChangeShapeType="1" noTextEdit="1"/>
+          </p:cNvSpPr>
+          <p:nvPr>
+            <p:extLst>
+              <p:ext uri="{386F3935-93C4-4BCD-93E2-E3B085C9AB24}">
+                <p16:designElem xmlns:p16="http://schemas.microsoft.com/office/powerpoint/2015/main" val="1"/>
+              </p:ext>
+            </p:extLst>
+          </p:nvPr>
+        </p:nvSpPr>
+        <p:spPr>
+          <a:xfrm rot="16200000">
+            <a:off x="10438146" y="1042605"/>
+            <a:ext cx="2796461" cy="711252"/>
+          </a:xfrm>
+          <a:prstGeom prst="rect">
+            <a:avLst/>
+          </a:prstGeom>
+          <a:gradFill flip="none" rotWithShape="1">
+            <a:gsLst>
+              <a:gs pos="0">
+                <a:schemeClr val="tx2">
+                  <a:lumMod val="40000"/>
+                  <a:lumOff val="60000"/>
+                  <a:alpha val="0"/>
+                </a:schemeClr>
+              </a:gs>
+              <a:gs pos="100000">
+                <a:schemeClr val="tx2">
+                  <a:lumMod val="75000"/>
+                  <a:alpha val="10000"/>
+                </a:schemeClr>
+              </a:gs>
+            </a:gsLst>
+            <a:lin ang="8400000" scaled="0"/>
+            <a:tileRect/>
+          </a:gradFill>
+          <a:ln>
+            <a:noFill/>
+          </a:ln>
+        </p:spPr>
+        <p:style>
+          <a:lnRef idx="2">
+            <a:schemeClr val="accent1">
+              <a:shade val="50000"/>
+            </a:schemeClr>
+          </a:lnRef>
+          <a:fillRef idx="1">
+            <a:schemeClr val="accent1"/>
+          </a:fillRef>
+          <a:effectRef idx="0">
+            <a:schemeClr val="accent1"/>
+          </a:effectRef>
+          <a:fontRef idx="minor">
+            <a:schemeClr val="lt1"/>
+          </a:fontRef>
+        </p:style>
+        <p:txBody>
+          <a:bodyPr rtlCol="0" anchor="ctr"/>
+          <a:lstStyle/>
+          <a:p>
+            <a:pPr algn="ctr"/>
+            <a:endParaRPr lang="en-US"/>
+          </a:p>
+        </p:txBody>
+      </p:sp>
+      <p:grpSp>
+        <p:nvGrpSpPr>
+          <p:cNvPr id="25" name="Group 24">
+            <a:extLst>
+              <a:ext uri="{FF2B5EF4-FFF2-40B4-BE49-F238E27FC236}">
+                <a16:creationId xmlns:a16="http://schemas.microsoft.com/office/drawing/2014/main" id="{0B81AE96-B9C7-4679-BC62-F2C79F2E8F37}"/>
+              </a:ext>
+              <a:ext uri="{C183D7F6-B498-43B3-948B-1728B52AA6E4}">
+                <adec:decorative xmlns:adec="http://schemas.microsoft.com/office/drawing/2017/decorative" val="1"/>
+              </a:ext>
+            </a:extLst>
+          </p:cNvPr>
+          <p:cNvGrpSpPr>
+            <a:grpSpLocks noGrp="1" noUngrp="1" noRot="1" noChangeAspect="1" noMove="1" noResize="1"/>
+          </p:cNvGrpSpPr>
+          <p:nvPr>
+            <p:extLst>
+              <p:ext uri="{386F3935-93C4-4BCD-93E2-E3B085C9AB24}">
+                <p16:designElem xmlns:p16="http://schemas.microsoft.com/office/powerpoint/2015/main" val="1"/>
+              </p:ext>
+            </p:extLst>
+          </p:nvPr>
+        </p:nvGrpSpPr>
+        <p:grpSpPr>
+          <a:xfrm>
+            <a:off x="11259539" y="317578"/>
+            <a:ext cx="548640" cy="549007"/>
+            <a:chOff x="7029447" y="3514725"/>
+            <a:chExt cx="1285875" cy="549007"/>
+          </a:xfrm>
+        </p:grpSpPr>
+        <p:cxnSp>
+          <p:nvCxnSpPr>
+            <p:cNvPr id="26" name="Straight Connector 25">
+              <a:extLst>
+                <a:ext uri="{FF2B5EF4-FFF2-40B4-BE49-F238E27FC236}">
+                  <a16:creationId xmlns:a16="http://schemas.microsoft.com/office/drawing/2014/main" id="{BD4225F6-B312-47D5-8299-988BD17E0E66}"/>
+                </a:ext>
+                <a:ext uri="{C183D7F6-B498-43B3-948B-1728B52AA6E4}">
+                  <adec:decorative xmlns:adec="http://schemas.microsoft.com/office/drawing/2017/decorative" val="1"/>
+                </a:ext>
+              </a:extLst>
+            </p:cNvPr>
+            <p:cNvCxnSpPr>
+              <a:cxnSpLocks/>
+            </p:cNvCxnSpPr>
+            <p:nvPr>
+              <p:extLst>
+                <p:ext uri="{386F3935-93C4-4BCD-93E2-E3B085C9AB24}">
+                  <p16:designElem xmlns:p16="http://schemas.microsoft.com/office/powerpoint/2015/main" val="1"/>
+                </p:ext>
+              </p:extLst>
+            </p:nvPr>
+          </p:nvCxnSpPr>
+          <p:spPr>
+            <a:xfrm>
+              <a:off x="7029447" y="3514725"/>
+              <a:ext cx="1285875" cy="0"/>
+            </a:xfrm>
+            <a:prstGeom prst="line">
+              <a:avLst/>
+            </a:prstGeom>
+            <a:ln w="31750" cap="rnd" cmpd="sng">
+              <a:gradFill>
+                <a:gsLst>
+                  <a:gs pos="0">
+                    <a:schemeClr val="tx2">
+                      <a:lumMod val="60000"/>
+                      <a:lumOff val="40000"/>
+                      <a:alpha val="40000"/>
+                    </a:schemeClr>
+                  </a:gs>
+                  <a:gs pos="100000">
+                    <a:schemeClr val="tx2">
+                      <a:lumMod val="75000"/>
+                      <a:alpha val="40000"/>
+                    </a:schemeClr>
+                  </a:gs>
+                </a:gsLst>
+                <a:lin ang="5400000" scaled="1"/>
+              </a:gradFill>
+              <a:prstDash val="sysDot"/>
+              <a:round/>
+            </a:ln>
+          </p:spPr>
+          <p:style>
+            <a:lnRef idx="1">
+              <a:schemeClr val="accent1"/>
+            </a:lnRef>
+            <a:fillRef idx="0">
+              <a:schemeClr val="accent1"/>
+            </a:fillRef>
+            <a:effectRef idx="0">
+              <a:schemeClr val="accent1"/>
+            </a:effectRef>
+            <a:fontRef idx="minor">
+              <a:schemeClr val="tx1"/>
+            </a:fontRef>
+          </p:style>
+        </p:cxnSp>
+        <p:cxnSp>
+          <p:nvCxnSpPr>
+            <p:cNvPr id="27" name="Straight Connector 26">
+              <a:extLst>
+                <a:ext uri="{FF2B5EF4-FFF2-40B4-BE49-F238E27FC236}">
+                  <a16:creationId xmlns:a16="http://schemas.microsoft.com/office/drawing/2014/main" id="{D3C04A86-BCAE-473C-B18D-88FD5627C47B}"/>
+                </a:ext>
+                <a:ext uri="{C183D7F6-B498-43B3-948B-1728B52AA6E4}">
+                  <adec:decorative xmlns:adec="http://schemas.microsoft.com/office/drawing/2017/decorative" val="1"/>
+                </a:ext>
+              </a:extLst>
+            </p:cNvPr>
+            <p:cNvCxnSpPr>
+              <a:cxnSpLocks/>
+            </p:cNvCxnSpPr>
+            <p:nvPr>
+              <p:extLst>
+                <p:ext uri="{386F3935-93C4-4BCD-93E2-E3B085C9AB24}">
+                  <p16:designElem xmlns:p16="http://schemas.microsoft.com/office/powerpoint/2015/main" val="1"/>
+                </p:ext>
+              </p:extLst>
+            </p:nvPr>
+          </p:nvCxnSpPr>
+          <p:spPr>
+            <a:xfrm>
+              <a:off x="7029447" y="3697727"/>
+              <a:ext cx="1285875" cy="0"/>
+            </a:xfrm>
+            <a:prstGeom prst="line">
+              <a:avLst/>
+            </a:prstGeom>
+            <a:ln w="31750" cap="rnd" cmpd="sng">
+              <a:gradFill>
+                <a:gsLst>
+                  <a:gs pos="0">
+                    <a:schemeClr val="tx2">
+                      <a:lumMod val="60000"/>
+                      <a:lumOff val="40000"/>
+                      <a:alpha val="40000"/>
+                    </a:schemeClr>
+                  </a:gs>
+                  <a:gs pos="100000">
+                    <a:schemeClr val="tx2">
+                      <a:lumMod val="75000"/>
+                      <a:alpha val="40000"/>
+                    </a:schemeClr>
+                  </a:gs>
+                </a:gsLst>
+                <a:lin ang="5400000" scaled="1"/>
+              </a:gradFill>
+              <a:prstDash val="sysDot"/>
+              <a:round/>
+            </a:ln>
+          </p:spPr>
+          <p:style>
+            <a:lnRef idx="1">
+              <a:schemeClr val="accent1"/>
+            </a:lnRef>
+            <a:fillRef idx="0">
+              <a:schemeClr val="accent1"/>
+            </a:fillRef>
+            <a:effectRef idx="0">
+              <a:schemeClr val="accent1"/>
+            </a:effectRef>
+            <a:fontRef idx="minor">
+              <a:schemeClr val="tx1"/>
+            </a:fontRef>
+          </p:style>
+        </p:cxnSp>
+        <p:cxnSp>
+          <p:nvCxnSpPr>
+            <p:cNvPr id="28" name="Straight Connector 27">
+              <a:extLst>
+                <a:ext uri="{FF2B5EF4-FFF2-40B4-BE49-F238E27FC236}">
+                  <a16:creationId xmlns:a16="http://schemas.microsoft.com/office/drawing/2014/main" id="{22CCD134-9351-4847-8741-FF5EAB4705B1}"/>
+                </a:ext>
+                <a:ext uri="{C183D7F6-B498-43B3-948B-1728B52AA6E4}">
+                  <adec:decorative xmlns:adec="http://schemas.microsoft.com/office/drawing/2017/decorative" val="1"/>
+                </a:ext>
+              </a:extLst>
+            </p:cNvPr>
+            <p:cNvCxnSpPr>
+              <a:cxnSpLocks/>
+            </p:cNvCxnSpPr>
+            <p:nvPr>
+              <p:extLst>
+                <p:ext uri="{386F3935-93C4-4BCD-93E2-E3B085C9AB24}">
+                  <p16:designElem xmlns:p16="http://schemas.microsoft.com/office/powerpoint/2015/main" val="1"/>
+                </p:ext>
+              </p:extLst>
+            </p:nvPr>
+          </p:nvCxnSpPr>
+          <p:spPr>
+            <a:xfrm>
+              <a:off x="7029447" y="3880729"/>
+              <a:ext cx="1285875" cy="0"/>
+            </a:xfrm>
+            <a:prstGeom prst="line">
+              <a:avLst/>
+            </a:prstGeom>
+            <a:ln w="31750" cap="rnd" cmpd="sng">
+              <a:gradFill>
+                <a:gsLst>
+                  <a:gs pos="0">
+                    <a:schemeClr val="tx2">
+                      <a:lumMod val="60000"/>
+                      <a:lumOff val="40000"/>
+                      <a:alpha val="40000"/>
+                    </a:schemeClr>
+                  </a:gs>
+                  <a:gs pos="100000">
+                    <a:schemeClr val="tx2">
+                      <a:lumMod val="75000"/>
+                      <a:alpha val="40000"/>
+                    </a:schemeClr>
+                  </a:gs>
+                </a:gsLst>
+                <a:lin ang="5400000" scaled="1"/>
+              </a:gradFill>
+              <a:prstDash val="sysDot"/>
+              <a:round/>
+            </a:ln>
+          </p:spPr>
+          <p:style>
+            <a:lnRef idx="1">
+              <a:schemeClr val="accent1"/>
+            </a:lnRef>
+            <a:fillRef idx="0">
+              <a:schemeClr val="accent1"/>
+            </a:fillRef>
+            <a:effectRef idx="0">
+              <a:schemeClr val="accent1"/>
+            </a:effectRef>
+            <a:fontRef idx="minor">
+              <a:schemeClr val="tx1"/>
+            </a:fontRef>
+          </p:style>
+        </p:cxnSp>
+        <p:cxnSp>
+          <p:nvCxnSpPr>
+            <p:cNvPr id="29" name="Straight Connector 28">
+              <a:extLst>
+                <a:ext uri="{FF2B5EF4-FFF2-40B4-BE49-F238E27FC236}">
+                  <a16:creationId xmlns:a16="http://schemas.microsoft.com/office/drawing/2014/main" id="{41470C83-08EE-4959-BA0A-F8846F524E87}"/>
+                </a:ext>
+                <a:ext uri="{C183D7F6-B498-43B3-948B-1728B52AA6E4}">
+                  <adec:decorative xmlns:adec="http://schemas.microsoft.com/office/drawing/2017/decorative" val="1"/>
+                </a:ext>
+              </a:extLst>
+            </p:cNvPr>
+            <p:cNvCxnSpPr>
+              <a:cxnSpLocks/>
+            </p:cNvCxnSpPr>
+            <p:nvPr>
+              <p:extLst>
+                <p:ext uri="{386F3935-93C4-4BCD-93E2-E3B085C9AB24}">
+                  <p16:designElem xmlns:p16="http://schemas.microsoft.com/office/powerpoint/2015/main" val="1"/>
+                </p:ext>
+              </p:extLst>
+            </p:nvPr>
+          </p:nvCxnSpPr>
+          <p:spPr>
+            <a:xfrm>
+              <a:off x="7029447" y="4063732"/>
+              <a:ext cx="1285875" cy="0"/>
+            </a:xfrm>
+            <a:prstGeom prst="line">
+              <a:avLst/>
+            </a:prstGeom>
+            <a:ln w="31750" cap="rnd" cmpd="sng">
+              <a:gradFill>
+                <a:gsLst>
+                  <a:gs pos="0">
+                    <a:schemeClr val="tx2">
+                      <a:lumMod val="60000"/>
+                      <a:lumOff val="40000"/>
+                      <a:alpha val="40000"/>
+                    </a:schemeClr>
+                  </a:gs>
+                  <a:gs pos="100000">
+                    <a:schemeClr val="tx2">
+                      <a:lumMod val="75000"/>
+                      <a:alpha val="40000"/>
+                    </a:schemeClr>
+                  </a:gs>
+                </a:gsLst>
+                <a:lin ang="5400000" scaled="1"/>
+              </a:gradFill>
+              <a:prstDash val="sysDot"/>
+              <a:round/>
+            </a:ln>
+          </p:spPr>
+          <p:style>
+            <a:lnRef idx="1">
+              <a:schemeClr val="accent1"/>
+            </a:lnRef>
+            <a:fillRef idx="0">
+              <a:schemeClr val="accent1"/>
+            </a:fillRef>
+            <a:effectRef idx="0">
+              <a:schemeClr val="accent1"/>
+            </a:effectRef>
+            <a:fontRef idx="minor">
+              <a:schemeClr val="tx1"/>
+            </a:fontRef>
+          </p:style>
+        </p:cxnSp>
+      </p:grpSp>
+      <p:grpSp>
+        <p:nvGrpSpPr>
+          <p:cNvPr id="31" name="Group 30">
+            <a:extLst>
+              <a:ext uri="{FF2B5EF4-FFF2-40B4-BE49-F238E27FC236}">
+                <a16:creationId xmlns:a16="http://schemas.microsoft.com/office/drawing/2014/main" id="{DBFD3A89-3666-47FE-913F-6C75228F5D3F}"/>
+              </a:ext>
+              <a:ext uri="{C183D7F6-B498-43B3-948B-1728B52AA6E4}">
+                <adec:decorative xmlns:adec="http://schemas.microsoft.com/office/drawing/2017/decorative" val="1"/>
+              </a:ext>
+            </a:extLst>
+          </p:cNvPr>
+          <p:cNvGrpSpPr>
+            <a:grpSpLocks noGrp="1" noUngrp="1" noRot="1" noChangeAspect="1" noMove="1" noResize="1"/>
+          </p:cNvGrpSpPr>
+          <p:nvPr>
+            <p:extLst>
+              <p:ext uri="{386F3935-93C4-4BCD-93E2-E3B085C9AB24}">
+                <p16:designElem xmlns:p16="http://schemas.microsoft.com/office/powerpoint/2015/main" val="1"/>
+              </p:ext>
+            </p:extLst>
+          </p:nvPr>
+        </p:nvGrpSpPr>
+        <p:grpSpPr>
+          <a:xfrm rot="5400000">
+            <a:off x="616345" y="5940560"/>
+            <a:ext cx="1285875" cy="549007"/>
+            <a:chOff x="7029447" y="3514725"/>
+            <a:chExt cx="1285875" cy="549007"/>
+          </a:xfrm>
+        </p:grpSpPr>
+        <p:cxnSp>
+          <p:nvCxnSpPr>
+            <p:cNvPr id="32" name="Straight Connector 31">
+              <a:extLst>
+                <a:ext uri="{FF2B5EF4-FFF2-40B4-BE49-F238E27FC236}">
+                  <a16:creationId xmlns:a16="http://schemas.microsoft.com/office/drawing/2014/main" id="{AD6B60E5-039C-4E82-9B5C-984D6C46E148}"/>
+                </a:ext>
+                <a:ext uri="{C183D7F6-B498-43B3-948B-1728B52AA6E4}">
+                  <adec:decorative xmlns:adec="http://schemas.microsoft.com/office/drawing/2017/decorative" val="1"/>
+                </a:ext>
+              </a:extLst>
+            </p:cNvPr>
+            <p:cNvCxnSpPr>
+              <a:cxnSpLocks/>
+            </p:cNvCxnSpPr>
+            <p:nvPr>
+              <p:extLst>
+                <p:ext uri="{386F3935-93C4-4BCD-93E2-E3B085C9AB24}">
+                  <p16:designElem xmlns:p16="http://schemas.microsoft.com/office/powerpoint/2015/main" val="1"/>
+                </p:ext>
+              </p:extLst>
+            </p:nvPr>
+          </p:nvCxnSpPr>
+          <p:spPr>
+            <a:xfrm>
+              <a:off x="7029447" y="3514725"/>
+              <a:ext cx="1285875" cy="0"/>
+            </a:xfrm>
+            <a:prstGeom prst="line">
+              <a:avLst/>
+            </a:prstGeom>
+            <a:ln w="31750" cap="rnd" cmpd="sng">
+              <a:gradFill>
+                <a:gsLst>
+                  <a:gs pos="0">
+                    <a:schemeClr val="tx2">
+                      <a:lumMod val="60000"/>
+                      <a:lumOff val="40000"/>
+                      <a:alpha val="40000"/>
+                    </a:schemeClr>
+                  </a:gs>
+                  <a:gs pos="100000">
+                    <a:schemeClr val="tx2">
+                      <a:lumMod val="50000"/>
+                      <a:alpha val="40000"/>
+                    </a:schemeClr>
+                  </a:gs>
+                </a:gsLst>
+                <a:lin ang="5400000" scaled="1"/>
+              </a:gradFill>
+              <a:prstDash val="sysDot"/>
+              <a:round/>
+            </a:ln>
+          </p:spPr>
+          <p:style>
+            <a:lnRef idx="1">
+              <a:schemeClr val="accent1"/>
+            </a:lnRef>
+            <a:fillRef idx="0">
+              <a:schemeClr val="accent1"/>
+            </a:fillRef>
+            <a:effectRef idx="0">
+              <a:schemeClr val="accent1"/>
+            </a:effectRef>
+            <a:fontRef idx="minor">
+              <a:schemeClr val="tx1"/>
+            </a:fontRef>
+          </p:style>
+        </p:cxnSp>
+        <p:cxnSp>
+          <p:nvCxnSpPr>
+            <p:cNvPr id="33" name="Straight Connector 32">
+              <a:extLst>
+                <a:ext uri="{FF2B5EF4-FFF2-40B4-BE49-F238E27FC236}">
+                  <a16:creationId xmlns:a16="http://schemas.microsoft.com/office/drawing/2014/main" id="{F3D05E89-A5D2-4DC0-B6B1-298EF0EF0A43}"/>
+                </a:ext>
+                <a:ext uri="{C183D7F6-B498-43B3-948B-1728B52AA6E4}">
+                  <adec:decorative xmlns:adec="http://schemas.microsoft.com/office/drawing/2017/decorative" val="1"/>
+                </a:ext>
+              </a:extLst>
+            </p:cNvPr>
+            <p:cNvCxnSpPr>
+              <a:cxnSpLocks/>
+            </p:cNvCxnSpPr>
+            <p:nvPr>
+              <p:extLst>
+                <p:ext uri="{386F3935-93C4-4BCD-93E2-E3B085C9AB24}">
+                  <p16:designElem xmlns:p16="http://schemas.microsoft.com/office/powerpoint/2015/main" val="1"/>
+                </p:ext>
+              </p:extLst>
+            </p:nvPr>
+          </p:nvCxnSpPr>
+          <p:spPr>
+            <a:xfrm>
+              <a:off x="7029447" y="3697727"/>
+              <a:ext cx="1285875" cy="0"/>
+            </a:xfrm>
+            <a:prstGeom prst="line">
+              <a:avLst/>
+            </a:prstGeom>
+            <a:ln w="31750" cap="rnd" cmpd="sng">
+              <a:gradFill>
+                <a:gsLst>
+                  <a:gs pos="0">
+                    <a:schemeClr val="tx2">
+                      <a:lumMod val="60000"/>
+                      <a:lumOff val="40000"/>
+                      <a:alpha val="40000"/>
+                    </a:schemeClr>
+                  </a:gs>
+                  <a:gs pos="100000">
+                    <a:schemeClr val="tx2">
+                      <a:lumMod val="50000"/>
+                      <a:alpha val="40000"/>
+                    </a:schemeClr>
+                  </a:gs>
+                </a:gsLst>
+                <a:lin ang="5400000" scaled="1"/>
+              </a:gradFill>
+              <a:prstDash val="sysDot"/>
+              <a:round/>
+            </a:ln>
+          </p:spPr>
+          <p:style>
+            <a:lnRef idx="1">
+              <a:schemeClr val="accent1"/>
+            </a:lnRef>
+            <a:fillRef idx="0">
+              <a:schemeClr val="accent1"/>
+            </a:fillRef>
+            <a:effectRef idx="0">
+              <a:schemeClr val="accent1"/>
+            </a:effectRef>
+            <a:fontRef idx="minor">
+              <a:schemeClr val="tx1"/>
+            </a:fontRef>
+          </p:style>
+        </p:cxnSp>
+        <p:cxnSp>
+          <p:nvCxnSpPr>
+            <p:cNvPr id="34" name="Straight Connector 33">
+              <a:extLst>
+                <a:ext uri="{FF2B5EF4-FFF2-40B4-BE49-F238E27FC236}">
+                  <a16:creationId xmlns:a16="http://schemas.microsoft.com/office/drawing/2014/main" id="{4337967A-8AB7-47D5-A75E-6341730E9952}"/>
+                </a:ext>
+                <a:ext uri="{C183D7F6-B498-43B3-948B-1728B52AA6E4}">
+                  <adec:decorative xmlns:adec="http://schemas.microsoft.com/office/drawing/2017/decorative" val="1"/>
+                </a:ext>
+              </a:extLst>
+            </p:cNvPr>
+            <p:cNvCxnSpPr>
+              <a:cxnSpLocks/>
+            </p:cNvCxnSpPr>
+            <p:nvPr>
+              <p:extLst>
+                <p:ext uri="{386F3935-93C4-4BCD-93E2-E3B085C9AB24}">
+                  <p16:designElem xmlns:p16="http://schemas.microsoft.com/office/powerpoint/2015/main" val="1"/>
+                </p:ext>
+              </p:extLst>
+            </p:nvPr>
+          </p:nvCxnSpPr>
+          <p:spPr>
+            <a:xfrm>
+              <a:off x="7029447" y="3880729"/>
+              <a:ext cx="1285875" cy="0"/>
+            </a:xfrm>
+            <a:prstGeom prst="line">
+              <a:avLst/>
+            </a:prstGeom>
+            <a:ln w="31750" cap="rnd" cmpd="sng">
+              <a:gradFill>
+                <a:gsLst>
+                  <a:gs pos="0">
+                    <a:schemeClr val="tx2">
+                      <a:lumMod val="60000"/>
+                      <a:lumOff val="40000"/>
+                      <a:alpha val="40000"/>
+                    </a:schemeClr>
+                  </a:gs>
+                  <a:gs pos="100000">
+                    <a:schemeClr val="tx2">
+                      <a:lumMod val="50000"/>
+                      <a:alpha val="40000"/>
+                    </a:schemeClr>
+                  </a:gs>
+                </a:gsLst>
+                <a:lin ang="5400000" scaled="1"/>
+              </a:gradFill>
+              <a:prstDash val="sysDot"/>
+              <a:round/>
+            </a:ln>
+          </p:spPr>
+          <p:style>
+            <a:lnRef idx="1">
+              <a:schemeClr val="accent1"/>
+            </a:lnRef>
+            <a:fillRef idx="0">
+              <a:schemeClr val="accent1"/>
+            </a:fillRef>
+            <a:effectRef idx="0">
+              <a:schemeClr val="accent1"/>
+            </a:effectRef>
+            <a:fontRef idx="minor">
+              <a:schemeClr val="tx1"/>
+            </a:fontRef>
+          </p:style>
+        </p:cxnSp>
+        <p:cxnSp>
+          <p:nvCxnSpPr>
+            <p:cNvPr id="35" name="Straight Connector 34">
+              <a:extLst>
+                <a:ext uri="{FF2B5EF4-FFF2-40B4-BE49-F238E27FC236}">
+                  <a16:creationId xmlns:a16="http://schemas.microsoft.com/office/drawing/2014/main" id="{CA068AD4-624D-4314-8C86-A3C0C3378C87}"/>
+                </a:ext>
+                <a:ext uri="{C183D7F6-B498-43B3-948B-1728B52AA6E4}">
+                  <adec:decorative xmlns:adec="http://schemas.microsoft.com/office/drawing/2017/decorative" val="1"/>
+                </a:ext>
+              </a:extLst>
+            </p:cNvPr>
+            <p:cNvCxnSpPr>
+              <a:cxnSpLocks/>
+            </p:cNvCxnSpPr>
+            <p:nvPr>
+              <p:extLst>
+                <p:ext uri="{386F3935-93C4-4BCD-93E2-E3B085C9AB24}">
+                  <p16:designElem xmlns:p16="http://schemas.microsoft.com/office/powerpoint/2015/main" val="1"/>
+                </p:ext>
+              </p:extLst>
+            </p:nvPr>
+          </p:nvCxnSpPr>
+          <p:spPr>
+            <a:xfrm>
+              <a:off x="7029447" y="4063732"/>
+              <a:ext cx="1285875" cy="0"/>
+            </a:xfrm>
+            <a:prstGeom prst="line">
+              <a:avLst/>
+            </a:prstGeom>
+            <a:ln w="31750" cap="rnd" cmpd="sng">
+              <a:gradFill>
+                <a:gsLst>
+                  <a:gs pos="0">
+                    <a:schemeClr val="tx2">
+                      <a:lumMod val="60000"/>
+                      <a:lumOff val="40000"/>
+                      <a:alpha val="40000"/>
+                    </a:schemeClr>
+                  </a:gs>
+                  <a:gs pos="100000">
+                    <a:schemeClr val="tx2">
+                      <a:lumMod val="50000"/>
+                      <a:alpha val="40000"/>
+                    </a:schemeClr>
+                  </a:gs>
+                </a:gsLst>
+                <a:lin ang="5400000" scaled="1"/>
+              </a:gradFill>
+              <a:prstDash val="sysDot"/>
+              <a:round/>
+            </a:ln>
+          </p:spPr>
+          <p:style>
+            <a:lnRef idx="1">
+              <a:schemeClr val="accent1"/>
+            </a:lnRef>
+            <a:fillRef idx="0">
+              <a:schemeClr val="accent1"/>
+            </a:fillRef>
+            <a:effectRef idx="0">
+              <a:schemeClr val="accent1"/>
+            </a:effectRef>
+            <a:fontRef idx="minor">
+              <a:schemeClr val="tx1"/>
+            </a:fontRef>
+          </p:style>
+        </p:cxnSp>
+      </p:grpSp>
+      <p:pic>
+        <p:nvPicPr>
+          <p:cNvPr id="4" name="Kép 3" descr="A képen szöveg, Betűtípus, képernyőkép, fekete látható&#10;&#10;Automatikusan generált leírás">
+            <a:extLst>
+              <a:ext uri="{FF2B5EF4-FFF2-40B4-BE49-F238E27FC236}">
+                <a16:creationId xmlns:a16="http://schemas.microsoft.com/office/drawing/2014/main" id="{00A7CD39-1A75-E90E-F29E-95114B74ED59}"/>
+              </a:ext>
+            </a:extLst>
+          </p:cNvPr>
+          <p:cNvPicPr>
+            <a:picLocks noChangeAspect="1"/>
+          </p:cNvPicPr>
+          <p:nvPr/>
+        </p:nvPicPr>
+        <p:blipFill>
+          <a:blip r:embed="rId2"/>
+          <a:stretch>
+            <a:fillRect/>
+          </a:stretch>
+        </p:blipFill>
+        <p:spPr>
+          <a:xfrm>
+            <a:off x="631359" y="3366458"/>
+            <a:ext cx="10843065" cy="2304151"/>
+          </a:xfrm>
+          <a:prstGeom prst="rect">
+            <a:avLst/>
+          </a:prstGeom>
+        </p:spPr>
+      </p:pic>
+      <p:grpSp>
+        <p:nvGrpSpPr>
+          <p:cNvPr id="37" name="Group 36">
+            <a:extLst>
+              <a:ext uri="{FF2B5EF4-FFF2-40B4-BE49-F238E27FC236}">
+                <a16:creationId xmlns:a16="http://schemas.microsoft.com/office/drawing/2014/main" id="{ACA2F7C3-1A69-44EE-A8B6-A4552E2C849E}"/>
+              </a:ext>
+              <a:ext uri="{C183D7F6-B498-43B3-948B-1728B52AA6E4}">
+                <adec:decorative xmlns:adec="http://schemas.microsoft.com/office/drawing/2017/decorative" val="1"/>
+              </a:ext>
+            </a:extLst>
+          </p:cNvPr>
+          <p:cNvGrpSpPr>
+            <a:grpSpLocks noGrp="1" noUngrp="1" noRot="1" noChangeAspect="1" noMove="1" noResize="1"/>
+          </p:cNvGrpSpPr>
+          <p:nvPr>
+            <p:extLst>
+              <p:ext uri="{386F3935-93C4-4BCD-93E2-E3B085C9AB24}">
+                <p16:designElem xmlns:p16="http://schemas.microsoft.com/office/powerpoint/2015/main" val="1"/>
+              </p:ext>
+            </p:extLst>
+          </p:nvPr>
+        </p:nvGrpSpPr>
+        <p:grpSpPr>
+          <a:xfrm rot="16200000">
+            <a:off x="475716" y="3029889"/>
+            <a:ext cx="304800" cy="429768"/>
+            <a:chOff x="215328" y="-46937"/>
+            <a:chExt cx="304800" cy="2773841"/>
+          </a:xfrm>
+        </p:grpSpPr>
+        <p:cxnSp>
+          <p:nvCxnSpPr>
+            <p:cNvPr id="38" name="Straight Connector 37">
+              <a:extLst>
+                <a:ext uri="{FF2B5EF4-FFF2-40B4-BE49-F238E27FC236}">
+                  <a16:creationId xmlns:a16="http://schemas.microsoft.com/office/drawing/2014/main" id="{6E44AF4D-8873-43B3-8E29-803B7720EA98}"/>
+                </a:ext>
+                <a:ext uri="{C183D7F6-B498-43B3-948B-1728B52AA6E4}">
+                  <adec:decorative xmlns:adec="http://schemas.microsoft.com/office/drawing/2017/decorative" val="1"/>
+                </a:ext>
+              </a:extLst>
+            </p:cNvPr>
+            <p:cNvCxnSpPr>
+              <a:cxnSpLocks/>
+            </p:cNvCxnSpPr>
+            <p:nvPr>
+              <p:extLst>
+                <p:ext uri="{386F3935-93C4-4BCD-93E2-E3B085C9AB24}">
+                  <p16:designElem xmlns:p16="http://schemas.microsoft.com/office/powerpoint/2015/main" val="1"/>
+                </p:ext>
+              </p:extLst>
+            </p:nvPr>
+          </p:nvCxnSpPr>
+          <p:spPr>
+            <a:xfrm>
+              <a:off x="215328" y="-46937"/>
+              <a:ext cx="0" cy="2773841"/>
+            </a:xfrm>
+            <a:prstGeom prst="line">
+              <a:avLst/>
+            </a:prstGeom>
+            <a:ln w="25400" cmpd="sng">
+              <a:solidFill>
+                <a:schemeClr val="bg2">
+                  <a:lumMod val="60000"/>
+                  <a:lumOff val="40000"/>
+                  <a:alpha val="50000"/>
+                </a:schemeClr>
+              </a:solidFill>
+              <a:prstDash val="sysDot"/>
+            </a:ln>
+          </p:spPr>
+          <p:style>
+            <a:lnRef idx="1">
+              <a:schemeClr val="accent1"/>
+            </a:lnRef>
+            <a:fillRef idx="0">
+              <a:schemeClr val="accent1"/>
+            </a:fillRef>
+            <a:effectRef idx="0">
+              <a:schemeClr val="accent1"/>
+            </a:effectRef>
+            <a:fontRef idx="minor">
+              <a:schemeClr val="tx1"/>
+            </a:fontRef>
+          </p:style>
+        </p:cxnSp>
+        <p:cxnSp>
+          <p:nvCxnSpPr>
+            <p:cNvPr id="39" name="Straight Connector 38">
+              <a:extLst>
+                <a:ext uri="{FF2B5EF4-FFF2-40B4-BE49-F238E27FC236}">
+                  <a16:creationId xmlns:a16="http://schemas.microsoft.com/office/drawing/2014/main" id="{CAE89E8A-BD14-4974-818A-D8382DCD4D4A}"/>
+                </a:ext>
+                <a:ext uri="{C183D7F6-B498-43B3-948B-1728B52AA6E4}">
+                  <adec:decorative xmlns:adec="http://schemas.microsoft.com/office/drawing/2017/decorative" val="1"/>
+                </a:ext>
+              </a:extLst>
+            </p:cNvPr>
+            <p:cNvCxnSpPr>
+              <a:cxnSpLocks/>
+            </p:cNvCxnSpPr>
+            <p:nvPr>
+              <p:extLst>
+                <p:ext uri="{386F3935-93C4-4BCD-93E2-E3B085C9AB24}">
+                  <p16:designElem xmlns:p16="http://schemas.microsoft.com/office/powerpoint/2015/main" val="1"/>
+                </p:ext>
+              </p:extLst>
+            </p:nvPr>
+          </p:nvCxnSpPr>
+          <p:spPr>
+            <a:xfrm>
+              <a:off x="316928" y="-46937"/>
+              <a:ext cx="0" cy="2773841"/>
+            </a:xfrm>
+            <a:prstGeom prst="line">
+              <a:avLst/>
+            </a:prstGeom>
+            <a:ln w="25400" cmpd="sng">
+              <a:solidFill>
+                <a:schemeClr val="bg2">
+                  <a:lumMod val="60000"/>
+                  <a:lumOff val="40000"/>
+                  <a:alpha val="50000"/>
+                </a:schemeClr>
+              </a:solidFill>
+              <a:prstDash val="sysDot"/>
+            </a:ln>
+          </p:spPr>
+          <p:style>
+            <a:lnRef idx="1">
+              <a:schemeClr val="accent1"/>
+            </a:lnRef>
+            <a:fillRef idx="0">
+              <a:schemeClr val="accent1"/>
+            </a:fillRef>
+            <a:effectRef idx="0">
+              <a:schemeClr val="accent1"/>
+            </a:effectRef>
+            <a:fontRef idx="minor">
+              <a:schemeClr val="tx1"/>
+            </a:fontRef>
+          </p:style>
+        </p:cxnSp>
+        <p:cxnSp>
+          <p:nvCxnSpPr>
+            <p:cNvPr id="40" name="Straight Connector 39">
+              <a:extLst>
+                <a:ext uri="{FF2B5EF4-FFF2-40B4-BE49-F238E27FC236}">
+                  <a16:creationId xmlns:a16="http://schemas.microsoft.com/office/drawing/2014/main" id="{321B80B9-448B-4363-9DD7-C074AB2AD7C7}"/>
+                </a:ext>
+                <a:ext uri="{C183D7F6-B498-43B3-948B-1728B52AA6E4}">
+                  <adec:decorative xmlns:adec="http://schemas.microsoft.com/office/drawing/2017/decorative" val="1"/>
+                </a:ext>
+              </a:extLst>
+            </p:cNvPr>
+            <p:cNvCxnSpPr>
+              <a:cxnSpLocks/>
+            </p:cNvCxnSpPr>
+            <p:nvPr>
+              <p:extLst>
+                <p:ext uri="{386F3935-93C4-4BCD-93E2-E3B085C9AB24}">
+                  <p16:designElem xmlns:p16="http://schemas.microsoft.com/office/powerpoint/2015/main" val="1"/>
+                </p:ext>
+              </p:extLst>
+            </p:nvPr>
+          </p:nvCxnSpPr>
+          <p:spPr>
+            <a:xfrm>
+              <a:off x="418528" y="-46937"/>
+              <a:ext cx="0" cy="2773841"/>
+            </a:xfrm>
+            <a:prstGeom prst="line">
+              <a:avLst/>
+            </a:prstGeom>
+            <a:ln w="25400" cmpd="sng">
+              <a:solidFill>
+                <a:schemeClr val="bg2">
+                  <a:lumMod val="60000"/>
+                  <a:lumOff val="40000"/>
+                  <a:alpha val="50000"/>
+                </a:schemeClr>
+              </a:solidFill>
+              <a:prstDash val="sysDot"/>
+            </a:ln>
+          </p:spPr>
+          <p:style>
+            <a:lnRef idx="1">
+              <a:schemeClr val="accent1"/>
+            </a:lnRef>
+            <a:fillRef idx="0">
+              <a:schemeClr val="accent1"/>
+            </a:fillRef>
+            <a:effectRef idx="0">
+              <a:schemeClr val="accent1"/>
+            </a:effectRef>
+            <a:fontRef idx="minor">
+              <a:schemeClr val="tx1"/>
+            </a:fontRef>
+          </p:style>
+        </p:cxnSp>
+        <p:cxnSp>
+          <p:nvCxnSpPr>
+            <p:cNvPr id="41" name="Straight Connector 40">
+              <a:extLst>
+                <a:ext uri="{FF2B5EF4-FFF2-40B4-BE49-F238E27FC236}">
+                  <a16:creationId xmlns:a16="http://schemas.microsoft.com/office/drawing/2014/main" id="{57DA34E7-83FB-4CAA-94F3-CEF0869076A6}"/>
+                </a:ext>
+                <a:ext uri="{C183D7F6-B498-43B3-948B-1728B52AA6E4}">
+                  <adec:decorative xmlns:adec="http://schemas.microsoft.com/office/drawing/2017/decorative" val="1"/>
+                </a:ext>
+              </a:extLst>
+            </p:cNvPr>
+            <p:cNvCxnSpPr>
+              <a:cxnSpLocks/>
+            </p:cNvCxnSpPr>
+            <p:nvPr>
+              <p:extLst>
+                <p:ext uri="{386F3935-93C4-4BCD-93E2-E3B085C9AB24}">
+                  <p16:designElem xmlns:p16="http://schemas.microsoft.com/office/powerpoint/2015/main" val="1"/>
+                </p:ext>
+              </p:extLst>
+            </p:nvPr>
+          </p:nvCxnSpPr>
+          <p:spPr>
+            <a:xfrm>
+              <a:off x="520128" y="-46937"/>
+              <a:ext cx="0" cy="2773841"/>
+            </a:xfrm>
+            <a:prstGeom prst="line">
+              <a:avLst/>
+            </a:prstGeom>
+            <a:ln w="25400" cmpd="sng">
+              <a:solidFill>
+                <a:schemeClr val="bg2">
+                  <a:lumMod val="60000"/>
+                  <a:lumOff val="40000"/>
+                  <a:alpha val="50000"/>
+                </a:schemeClr>
+              </a:solidFill>
+              <a:prstDash val="sysDot"/>
+            </a:ln>
+          </p:spPr>
+          <p:style>
+            <a:lnRef idx="1">
+              <a:schemeClr val="accent1"/>
+            </a:lnRef>
+            <a:fillRef idx="0">
+              <a:schemeClr val="accent1"/>
+            </a:fillRef>
+            <a:effectRef idx="0">
+              <a:schemeClr val="accent1"/>
+            </a:effectRef>
+            <a:fontRef idx="minor">
+              <a:schemeClr val="tx1"/>
+            </a:fontRef>
+          </p:style>
+        </p:cxnSp>
+      </p:grpSp>
     </p:spTree>
     <p:extLst>
       <p:ext uri="{BB962C8B-B14F-4D97-AF65-F5344CB8AC3E}">
         <p14:creationId xmlns:p14="http://schemas.microsoft.com/office/powerpoint/2010/main" val="3475029765"/>
+      </p:ext>
+    </p:extLst>
+  </p:cSld>
+  <p:clrMapOvr>
+    <a:masterClrMapping/>
+  </p:clrMapOvr>
+</p:sld>
+</file>
+
+<file path=ppt/slides/slide12.xml><?xml version="1.0" encoding="utf-8"?>
+<p:sld xmlns:a="http://schemas.openxmlformats.org/drawingml/2006/main" xmlns:r="http://schemas.openxmlformats.org/officeDocument/2006/relationships" xmlns:p="http://schemas.openxmlformats.org/presentationml/2006/main">
+  <p:cSld>
+    <p:bg>
+      <p:bgPr>
+        <a:solidFill>
+          <a:schemeClr val="bg1"/>
+        </a:solidFill>
+        <a:effectLst/>
+      </p:bgPr>
+    </p:bg>
+    <p:spTree>
+      <p:nvGrpSpPr>
+        <p:cNvPr id="1" name=""/>
+        <p:cNvGrpSpPr/>
+        <p:nvPr/>
+      </p:nvGrpSpPr>
+      <p:grpSpPr>
+        <a:xfrm>
+          <a:off x="0" y="0"/>
+          <a:ext cx="0" cy="0"/>
+          <a:chOff x="0" y="0"/>
+          <a:chExt cx="0" cy="0"/>
+        </a:xfrm>
+      </p:grpSpPr>
+      <p:sp>
+        <p:nvSpPr>
+          <p:cNvPr id="9" name="Rectangle 8">
+            <a:extLst>
+              <a:ext uri="{FF2B5EF4-FFF2-40B4-BE49-F238E27FC236}">
+                <a16:creationId xmlns:a16="http://schemas.microsoft.com/office/drawing/2014/main" id="{C38CD1F2-2CDE-4B42-BB23-EC7686F92569}"/>
+              </a:ext>
+              <a:ext uri="{C183D7F6-B498-43B3-948B-1728B52AA6E4}">
+                <adec:decorative xmlns:adec="http://schemas.microsoft.com/office/drawing/2017/decorative" val="1"/>
+              </a:ext>
+            </a:extLst>
+          </p:cNvPr>
+          <p:cNvSpPr>
+            <a:spLocks noGrp="1" noRot="1" noChangeAspect="1" noMove="1" noResize="1" noEditPoints="1" noAdjustHandles="1" noChangeArrowheads="1" noChangeShapeType="1" noTextEdit="1"/>
+          </p:cNvSpPr>
+          <p:nvPr>
+            <p:extLst>
+              <p:ext uri="{386F3935-93C4-4BCD-93E2-E3B085C9AB24}">
+                <p16:designElem xmlns:p16="http://schemas.microsoft.com/office/powerpoint/2015/main" val="1"/>
+              </p:ext>
+            </p:extLst>
+          </p:nvPr>
+        </p:nvSpPr>
+        <p:spPr>
+          <a:xfrm>
+            <a:off x="3048" y="0"/>
+            <a:ext cx="12188952" cy="6858000"/>
+          </a:xfrm>
+          <a:prstGeom prst="rect">
+            <a:avLst/>
+          </a:prstGeom>
+          <a:solidFill>
+            <a:schemeClr val="tx2"/>
+          </a:solidFill>
+          <a:ln>
+            <a:noFill/>
+          </a:ln>
+        </p:spPr>
+        <p:style>
+          <a:lnRef idx="2">
+            <a:schemeClr val="accent1">
+              <a:shade val="50000"/>
+            </a:schemeClr>
+          </a:lnRef>
+          <a:fillRef idx="1">
+            <a:schemeClr val="accent1"/>
+          </a:fillRef>
+          <a:effectRef idx="0">
+            <a:schemeClr val="accent1"/>
+          </a:effectRef>
+          <a:fontRef idx="minor">
+            <a:schemeClr val="lt1"/>
+          </a:fontRef>
+        </p:style>
+        <p:txBody>
+          <a:bodyPr rtlCol="0" anchor="ctr"/>
+          <a:lstStyle/>
+          <a:p>
+            <a:pPr algn="ctr"/>
+            <a:endParaRPr lang="en-US"/>
+          </a:p>
+        </p:txBody>
+      </p:sp>
+      <p:sp>
+        <p:nvSpPr>
+          <p:cNvPr id="11" name="Rectangle 10">
+            <a:extLst>
+              <a:ext uri="{FF2B5EF4-FFF2-40B4-BE49-F238E27FC236}">
+                <a16:creationId xmlns:a16="http://schemas.microsoft.com/office/drawing/2014/main" id="{E9827173-10F7-4BE6-8CC8-39A46D781209}"/>
+              </a:ext>
+              <a:ext uri="{C183D7F6-B498-43B3-948B-1728B52AA6E4}">
+                <adec:decorative xmlns:adec="http://schemas.microsoft.com/office/drawing/2017/decorative" val="1"/>
+              </a:ext>
+            </a:extLst>
+          </p:cNvPr>
+          <p:cNvSpPr>
+            <a:spLocks noGrp="1" noRot="1" noChangeAspect="1" noMove="1" noResize="1" noEditPoints="1" noAdjustHandles="1" noChangeArrowheads="1" noChangeShapeType="1" noTextEdit="1"/>
+          </p:cNvSpPr>
+          <p:nvPr>
+            <p:extLst>
+              <p:ext uri="{386F3935-93C4-4BCD-93E2-E3B085C9AB24}">
+                <p16:designElem xmlns:p16="http://schemas.microsoft.com/office/powerpoint/2015/main" val="1"/>
+              </p:ext>
+            </p:extLst>
+          </p:nvPr>
+        </p:nvSpPr>
+        <p:spPr>
+          <a:xfrm rot="10800000">
+            <a:off x="-1" y="6140785"/>
+            <a:ext cx="6095997" cy="711252"/>
+          </a:xfrm>
+          <a:prstGeom prst="rect">
+            <a:avLst/>
+          </a:prstGeom>
+          <a:gradFill flip="none" rotWithShape="1">
+            <a:gsLst>
+              <a:gs pos="10000">
+                <a:schemeClr val="tx2">
+                  <a:lumMod val="50000"/>
+                  <a:alpha val="10000"/>
+                </a:schemeClr>
+              </a:gs>
+              <a:gs pos="100000">
+                <a:schemeClr val="tx2">
+                  <a:lumMod val="60000"/>
+                  <a:lumOff val="40000"/>
+                  <a:alpha val="0"/>
+                </a:schemeClr>
+              </a:gs>
+            </a:gsLst>
+            <a:lin ang="8400000" scaled="0"/>
+            <a:tileRect/>
+          </a:gradFill>
+          <a:ln>
+            <a:noFill/>
+          </a:ln>
+        </p:spPr>
+        <p:style>
+          <a:lnRef idx="2">
+            <a:schemeClr val="accent1">
+              <a:shade val="50000"/>
+            </a:schemeClr>
+          </a:lnRef>
+          <a:fillRef idx="1">
+            <a:schemeClr val="accent1"/>
+          </a:fillRef>
+          <a:effectRef idx="0">
+            <a:schemeClr val="accent1"/>
+          </a:effectRef>
+          <a:fontRef idx="minor">
+            <a:schemeClr val="lt1"/>
+          </a:fontRef>
+        </p:style>
+        <p:txBody>
+          <a:bodyPr rtlCol="0" anchor="ctr"/>
+          <a:lstStyle/>
+          <a:p>
+            <a:pPr algn="ctr"/>
+            <a:endParaRPr lang="en-US"/>
+          </a:p>
+        </p:txBody>
+      </p:sp>
+      <p:grpSp>
+        <p:nvGrpSpPr>
+          <p:cNvPr id="13" name="Group 12">
+            <a:extLst>
+              <a:ext uri="{FF2B5EF4-FFF2-40B4-BE49-F238E27FC236}">
+                <a16:creationId xmlns:a16="http://schemas.microsoft.com/office/drawing/2014/main" id="{60FB2829-9E66-4DBD-BC15-FC5D73246DDB}"/>
+              </a:ext>
+              <a:ext uri="{C183D7F6-B498-43B3-948B-1728B52AA6E4}">
+                <adec:decorative xmlns:adec="http://schemas.microsoft.com/office/drawing/2017/decorative" val="1"/>
+              </a:ext>
+            </a:extLst>
+          </p:cNvPr>
+          <p:cNvGrpSpPr>
+            <a:grpSpLocks noGrp="1" noUngrp="1" noRot="1" noChangeAspect="1" noMove="1" noResize="1"/>
+          </p:cNvGrpSpPr>
+          <p:nvPr>
+            <p:extLst>
+              <p:ext uri="{386F3935-93C4-4BCD-93E2-E3B085C9AB24}">
+                <p16:designElem xmlns:p16="http://schemas.microsoft.com/office/powerpoint/2015/main" val="1"/>
+              </p:ext>
+            </p:extLst>
+          </p:nvPr>
+        </p:nvGrpSpPr>
+        <p:grpSpPr>
+          <a:xfrm>
+            <a:off x="1" y="2075420"/>
+            <a:ext cx="12048729" cy="4093306"/>
+            <a:chOff x="1" y="2075420"/>
+            <a:chExt cx="12048729" cy="4093306"/>
+          </a:xfrm>
+        </p:grpSpPr>
+        <p:sp>
+          <p:nvSpPr>
+            <p:cNvPr id="14" name="Oval 13">
+              <a:extLst>
+                <a:ext uri="{FF2B5EF4-FFF2-40B4-BE49-F238E27FC236}">
+                  <a16:creationId xmlns:a16="http://schemas.microsoft.com/office/drawing/2014/main" id="{E9EE2A32-8611-4375-B6B1-468FAD6825C5}"/>
+                </a:ext>
+                <a:ext uri="{C183D7F6-B498-43B3-948B-1728B52AA6E4}">
+                  <adec:decorative xmlns:adec="http://schemas.microsoft.com/office/drawing/2017/decorative" val="1"/>
+                </a:ext>
+              </a:extLst>
+            </p:cNvPr>
+            <p:cNvSpPr/>
+            <p:nvPr>
+              <p:extLst>
+                <p:ext uri="{386F3935-93C4-4BCD-93E2-E3B085C9AB24}">
+                  <p16:designElem xmlns:p16="http://schemas.microsoft.com/office/powerpoint/2015/main" val="1"/>
+                </p:ext>
+              </p:extLst>
+            </p:nvPr>
+          </p:nvSpPr>
+          <p:spPr>
+            <a:xfrm rot="4500000">
+              <a:off x="7942191" y="2507571"/>
+              <a:ext cx="3563871" cy="3563871"/>
+            </a:xfrm>
+            <a:prstGeom prst="ellipse">
+              <a:avLst/>
+            </a:prstGeom>
+            <a:noFill/>
+            <a:ln w="31750">
+              <a:gradFill>
+                <a:gsLst>
+                  <a:gs pos="0">
+                    <a:schemeClr val="tx2">
+                      <a:lumMod val="60000"/>
+                      <a:lumOff val="40000"/>
+                      <a:alpha val="10000"/>
+                    </a:schemeClr>
+                  </a:gs>
+                  <a:gs pos="100000">
+                    <a:schemeClr val="tx2">
+                      <a:lumMod val="50000"/>
+                      <a:alpha val="20000"/>
+                    </a:schemeClr>
+                  </a:gs>
+                </a:gsLst>
+                <a:lin ang="5400000" scaled="1"/>
+              </a:gradFill>
+              <a:prstDash val="sysDot"/>
+            </a:ln>
+          </p:spPr>
+          <p:style>
+            <a:lnRef idx="2">
+              <a:schemeClr val="accent1">
+                <a:shade val="50000"/>
+              </a:schemeClr>
+            </a:lnRef>
+            <a:fillRef idx="1">
+              <a:schemeClr val="accent1"/>
+            </a:fillRef>
+            <a:effectRef idx="0">
+              <a:schemeClr val="accent1"/>
+            </a:effectRef>
+            <a:fontRef idx="minor">
+              <a:schemeClr val="lt1"/>
+            </a:fontRef>
+          </p:style>
+          <p:txBody>
+            <a:bodyPr rtlCol="0" anchor="ctr"/>
+            <a:lstStyle/>
+            <a:p>
+              <a:pPr algn="ctr"/>
+              <a:endParaRPr lang="en-US"/>
+            </a:p>
+          </p:txBody>
+        </p:sp>
+        <p:sp>
+          <p:nvSpPr>
+            <p:cNvPr id="15" name="Oval 14">
+              <a:extLst>
+                <a:ext uri="{FF2B5EF4-FFF2-40B4-BE49-F238E27FC236}">
+                  <a16:creationId xmlns:a16="http://schemas.microsoft.com/office/drawing/2014/main" id="{C77E1DA0-3927-4F35-B8A3-D5D556375756}"/>
+                </a:ext>
+                <a:ext uri="{C183D7F6-B498-43B3-948B-1728B52AA6E4}">
+                  <adec:decorative xmlns:adec="http://schemas.microsoft.com/office/drawing/2017/decorative" val="1"/>
+                </a:ext>
+              </a:extLst>
+            </p:cNvPr>
+            <p:cNvSpPr/>
+            <p:nvPr>
+              <p:extLst>
+                <p:ext uri="{386F3935-93C4-4BCD-93E2-E3B085C9AB24}">
+                  <p16:designElem xmlns:p16="http://schemas.microsoft.com/office/powerpoint/2015/main" val="1"/>
+                </p:ext>
+              </p:extLst>
+            </p:nvPr>
+          </p:nvSpPr>
+          <p:spPr>
+            <a:xfrm rot="16200000">
+              <a:off x="10435065" y="4048931"/>
+              <a:ext cx="1381607" cy="1381607"/>
+            </a:xfrm>
+            <a:prstGeom prst="ellipse">
+              <a:avLst/>
+            </a:prstGeom>
+            <a:noFill/>
+            <a:ln w="31750">
+              <a:gradFill>
+                <a:gsLst>
+                  <a:gs pos="0">
+                    <a:schemeClr val="tx2">
+                      <a:lumMod val="60000"/>
+                      <a:lumOff val="40000"/>
+                      <a:alpha val="20000"/>
+                    </a:schemeClr>
+                  </a:gs>
+                  <a:gs pos="100000">
+                    <a:schemeClr val="tx2">
+                      <a:lumMod val="50000"/>
+                      <a:alpha val="20000"/>
+                    </a:schemeClr>
+                  </a:gs>
+                </a:gsLst>
+                <a:lin ang="5400000" scaled="1"/>
+              </a:gradFill>
+              <a:prstDash val="sysDot"/>
+            </a:ln>
+          </p:spPr>
+          <p:style>
+            <a:lnRef idx="2">
+              <a:schemeClr val="accent1">
+                <a:shade val="50000"/>
+              </a:schemeClr>
+            </a:lnRef>
+            <a:fillRef idx="1">
+              <a:schemeClr val="accent1"/>
+            </a:fillRef>
+            <a:effectRef idx="0">
+              <a:schemeClr val="accent1"/>
+            </a:effectRef>
+            <a:fontRef idx="minor">
+              <a:schemeClr val="lt1"/>
+            </a:fontRef>
+          </p:style>
+          <p:txBody>
+            <a:bodyPr rtlCol="0" anchor="ctr"/>
+            <a:lstStyle/>
+            <a:p>
+              <a:pPr algn="ctr"/>
+              <a:endParaRPr lang="en-US"/>
+            </a:p>
+          </p:txBody>
+        </p:sp>
+        <p:sp>
+          <p:nvSpPr>
+            <p:cNvPr id="16" name="Oval 15">
+              <a:extLst>
+                <a:ext uri="{FF2B5EF4-FFF2-40B4-BE49-F238E27FC236}">
+                  <a16:creationId xmlns:a16="http://schemas.microsoft.com/office/drawing/2014/main" id="{F7BAA08B-588E-406F-899B-A6A7FCFBE56E}"/>
+                </a:ext>
+                <a:ext uri="{C183D7F6-B498-43B3-948B-1728B52AA6E4}">
+                  <adec:decorative xmlns:adec="http://schemas.microsoft.com/office/drawing/2017/decorative" val="1"/>
+                </a:ext>
+              </a:extLst>
+            </p:cNvPr>
+            <p:cNvSpPr/>
+            <p:nvPr>
+              <p:extLst>
+                <p:ext uri="{386F3935-93C4-4BCD-93E2-E3B085C9AB24}">
+                  <p16:designElem xmlns:p16="http://schemas.microsoft.com/office/powerpoint/2015/main" val="1"/>
+                </p:ext>
+              </p:extLst>
+            </p:nvPr>
+          </p:nvSpPr>
+          <p:spPr>
+            <a:xfrm rot="16200000">
+              <a:off x="1" y="2075420"/>
+              <a:ext cx="3144364" cy="3144364"/>
+            </a:xfrm>
+            <a:prstGeom prst="ellipse">
+              <a:avLst/>
+            </a:prstGeom>
+            <a:gradFill>
+              <a:gsLst>
+                <a:gs pos="0">
+                  <a:schemeClr val="tx2">
+                    <a:lumMod val="75000"/>
+                    <a:alpha val="20000"/>
+                  </a:schemeClr>
+                </a:gs>
+                <a:gs pos="100000">
+                  <a:schemeClr val="tx2">
+                    <a:lumMod val="50000"/>
+                    <a:alpha val="10000"/>
+                  </a:schemeClr>
+                </a:gs>
+              </a:gsLst>
+              <a:lin ang="5400000" scaled="1"/>
+            </a:gradFill>
+            <a:ln>
+              <a:noFill/>
+            </a:ln>
+          </p:spPr>
+          <p:style>
+            <a:lnRef idx="2">
+              <a:schemeClr val="accent1">
+                <a:shade val="50000"/>
+              </a:schemeClr>
+            </a:lnRef>
+            <a:fillRef idx="1">
+              <a:schemeClr val="accent1"/>
+            </a:fillRef>
+            <a:effectRef idx="0">
+              <a:schemeClr val="accent1"/>
+            </a:effectRef>
+            <a:fontRef idx="minor">
+              <a:schemeClr val="lt1"/>
+            </a:fontRef>
+          </p:style>
+          <p:txBody>
+            <a:bodyPr rtlCol="0" anchor="ctr"/>
+            <a:lstStyle/>
+            <a:p>
+              <a:pPr algn="ctr"/>
+              <a:endParaRPr lang="en-US"/>
+            </a:p>
+          </p:txBody>
+        </p:sp>
+        <p:sp>
+          <p:nvSpPr>
+            <p:cNvPr id="17" name="Oval 16">
+              <a:extLst>
+                <a:ext uri="{FF2B5EF4-FFF2-40B4-BE49-F238E27FC236}">
+                  <a16:creationId xmlns:a16="http://schemas.microsoft.com/office/drawing/2014/main" id="{A8AA7C41-B331-402E-9453-95B3B82735B6}"/>
+                </a:ext>
+                <a:ext uri="{C183D7F6-B498-43B3-948B-1728B52AA6E4}">
+                  <adec:decorative xmlns:adec="http://schemas.microsoft.com/office/drawing/2017/decorative" val="1"/>
+                </a:ext>
+              </a:extLst>
+            </p:cNvPr>
+            <p:cNvSpPr/>
+            <p:nvPr>
+              <p:extLst>
+                <p:ext uri="{386F3935-93C4-4BCD-93E2-E3B085C9AB24}">
+                  <p16:designElem xmlns:p16="http://schemas.microsoft.com/office/powerpoint/2015/main" val="1"/>
+                </p:ext>
+              </p:extLst>
+            </p:nvPr>
+          </p:nvSpPr>
+          <p:spPr>
+            <a:xfrm rot="12600000">
+              <a:off x="10150845" y="4270841"/>
+              <a:ext cx="1897885" cy="1897885"/>
+            </a:xfrm>
+            <a:prstGeom prst="ellipse">
+              <a:avLst/>
+            </a:prstGeom>
+            <a:gradFill>
+              <a:gsLst>
+                <a:gs pos="0">
+                  <a:schemeClr val="tx2">
+                    <a:lumMod val="75000"/>
+                    <a:alpha val="10000"/>
+                  </a:schemeClr>
+                </a:gs>
+                <a:gs pos="100000">
+                  <a:schemeClr val="tx2">
+                    <a:lumMod val="75000"/>
+                    <a:alpha val="20000"/>
+                  </a:schemeClr>
+                </a:gs>
+              </a:gsLst>
+              <a:lin ang="5400000" scaled="1"/>
+            </a:gradFill>
+            <a:ln>
+              <a:noFill/>
+            </a:ln>
+          </p:spPr>
+          <p:style>
+            <a:lnRef idx="2">
+              <a:schemeClr val="accent1">
+                <a:shade val="50000"/>
+              </a:schemeClr>
+            </a:lnRef>
+            <a:fillRef idx="1">
+              <a:schemeClr val="accent1"/>
+            </a:fillRef>
+            <a:effectRef idx="0">
+              <a:schemeClr val="accent1"/>
+            </a:effectRef>
+            <a:fontRef idx="minor">
+              <a:schemeClr val="lt1"/>
+            </a:fontRef>
+          </p:style>
+          <p:txBody>
+            <a:bodyPr rtlCol="0" anchor="ctr"/>
+            <a:lstStyle/>
+            <a:p>
+              <a:pPr algn="ctr"/>
+              <a:endParaRPr lang="en-US" dirty="0"/>
+            </a:p>
+          </p:txBody>
+        </p:sp>
+        <p:sp>
+          <p:nvSpPr>
+            <p:cNvPr id="18" name="Oval 17">
+              <a:extLst>
+                <a:ext uri="{FF2B5EF4-FFF2-40B4-BE49-F238E27FC236}">
+                  <a16:creationId xmlns:a16="http://schemas.microsoft.com/office/drawing/2014/main" id="{A7060B3E-946D-4885-9B86-1D445209EB27}"/>
+                </a:ext>
+                <a:ext uri="{C183D7F6-B498-43B3-948B-1728B52AA6E4}">
+                  <adec:decorative xmlns:adec="http://schemas.microsoft.com/office/drawing/2017/decorative" val="1"/>
+                </a:ext>
+              </a:extLst>
+            </p:cNvPr>
+            <p:cNvSpPr/>
+            <p:nvPr>
+              <p:extLst>
+                <p:ext uri="{386F3935-93C4-4BCD-93E2-E3B085C9AB24}">
+                  <p16:designElem xmlns:p16="http://schemas.microsoft.com/office/powerpoint/2015/main" val="1"/>
+                </p:ext>
+              </p:extLst>
+            </p:nvPr>
+          </p:nvSpPr>
+          <p:spPr>
+            <a:xfrm rot="4500000">
+              <a:off x="2046780" y="3040492"/>
+              <a:ext cx="2579322" cy="2579322"/>
+            </a:xfrm>
+            <a:prstGeom prst="ellipse">
+              <a:avLst/>
+            </a:prstGeom>
+            <a:noFill/>
+            <a:ln w="31750">
+              <a:gradFill>
+                <a:gsLst>
+                  <a:gs pos="0">
+                    <a:schemeClr val="tx2">
+                      <a:lumMod val="60000"/>
+                      <a:lumOff val="40000"/>
+                      <a:alpha val="20000"/>
+                    </a:schemeClr>
+                  </a:gs>
+                  <a:gs pos="100000">
+                    <a:schemeClr val="tx2">
+                      <a:lumMod val="50000"/>
+                      <a:alpha val="20000"/>
+                    </a:schemeClr>
+                  </a:gs>
+                </a:gsLst>
+                <a:lin ang="5400000" scaled="1"/>
+              </a:gradFill>
+              <a:prstDash val="sysDot"/>
+            </a:ln>
+          </p:spPr>
+          <p:style>
+            <a:lnRef idx="2">
+              <a:schemeClr val="accent1">
+                <a:shade val="50000"/>
+              </a:schemeClr>
+            </a:lnRef>
+            <a:fillRef idx="1">
+              <a:schemeClr val="accent1"/>
+            </a:fillRef>
+            <a:effectRef idx="0">
+              <a:schemeClr val="accent1"/>
+            </a:effectRef>
+            <a:fontRef idx="minor">
+              <a:schemeClr val="lt1"/>
+            </a:fontRef>
+          </p:style>
+          <p:txBody>
+            <a:bodyPr rtlCol="0" anchor="ctr"/>
+            <a:lstStyle/>
+            <a:p>
+              <a:pPr algn="ctr"/>
+              <a:endParaRPr lang="en-US"/>
+            </a:p>
+          </p:txBody>
+        </p:sp>
+        <p:sp>
+          <p:nvSpPr>
+            <p:cNvPr id="19" name="Oval 18">
+              <a:extLst>
+                <a:ext uri="{FF2B5EF4-FFF2-40B4-BE49-F238E27FC236}">
+                  <a16:creationId xmlns:a16="http://schemas.microsoft.com/office/drawing/2014/main" id="{E3046747-F284-4990-9ECA-3DF2C6E08B48}"/>
+                </a:ext>
+                <a:ext uri="{C183D7F6-B498-43B3-948B-1728B52AA6E4}">
+                  <adec:decorative xmlns:adec="http://schemas.microsoft.com/office/drawing/2017/decorative" val="1"/>
+                </a:ext>
+              </a:extLst>
+            </p:cNvPr>
+            <p:cNvSpPr/>
+            <p:nvPr>
+              <p:extLst>
+                <p:ext uri="{386F3935-93C4-4BCD-93E2-E3B085C9AB24}">
+                  <p16:designElem xmlns:p16="http://schemas.microsoft.com/office/powerpoint/2015/main" val="1"/>
+                </p:ext>
+              </p:extLst>
+            </p:nvPr>
+          </p:nvSpPr>
+          <p:spPr>
+            <a:xfrm rot="4500000">
+              <a:off x="2224640" y="3193975"/>
+              <a:ext cx="2243193" cy="2243193"/>
+            </a:xfrm>
+            <a:prstGeom prst="ellipse">
+              <a:avLst/>
+            </a:prstGeom>
+            <a:noFill/>
+            <a:ln w="31750">
+              <a:gradFill>
+                <a:gsLst>
+                  <a:gs pos="0">
+                    <a:schemeClr val="tx2">
+                      <a:lumMod val="60000"/>
+                      <a:lumOff val="40000"/>
+                      <a:alpha val="10000"/>
+                    </a:schemeClr>
+                  </a:gs>
+                  <a:gs pos="100000">
+                    <a:schemeClr val="tx2">
+                      <a:lumMod val="50000"/>
+                      <a:alpha val="10000"/>
+                    </a:schemeClr>
+                  </a:gs>
+                </a:gsLst>
+                <a:lin ang="5400000" scaled="1"/>
+              </a:gradFill>
+            </a:ln>
+          </p:spPr>
+          <p:style>
+            <a:lnRef idx="2">
+              <a:schemeClr val="accent1">
+                <a:shade val="50000"/>
+              </a:schemeClr>
+            </a:lnRef>
+            <a:fillRef idx="1">
+              <a:schemeClr val="accent1"/>
+            </a:fillRef>
+            <a:effectRef idx="0">
+              <a:schemeClr val="accent1"/>
+            </a:effectRef>
+            <a:fontRef idx="minor">
+              <a:schemeClr val="lt1"/>
+            </a:fontRef>
+          </p:style>
+          <p:txBody>
+            <a:bodyPr rtlCol="0" anchor="ctr"/>
+            <a:lstStyle/>
+            <a:p>
+              <a:pPr algn="ctr"/>
+              <a:endParaRPr lang="en-US"/>
+            </a:p>
+          </p:txBody>
+        </p:sp>
+      </p:grpSp>
+      <p:sp>
+        <p:nvSpPr>
+          <p:cNvPr id="21" name="Rectangle 20">
+            <a:extLst>
+              <a:ext uri="{FF2B5EF4-FFF2-40B4-BE49-F238E27FC236}">
+                <a16:creationId xmlns:a16="http://schemas.microsoft.com/office/drawing/2014/main" id="{21301226-F3C6-4744-94AE-2460B381D86F}"/>
+              </a:ext>
+              <a:ext uri="{C183D7F6-B498-43B3-948B-1728B52AA6E4}">
+                <adec:decorative xmlns:adec="http://schemas.microsoft.com/office/drawing/2017/decorative" val="1"/>
+              </a:ext>
+            </a:extLst>
+          </p:cNvPr>
+          <p:cNvSpPr>
+            <a:spLocks noGrp="1" noRot="1" noChangeAspect="1" noMove="1" noResize="1" noEditPoints="1" noAdjustHandles="1" noChangeArrowheads="1" noChangeShapeType="1" noTextEdit="1"/>
+          </p:cNvSpPr>
+          <p:nvPr>
+            <p:extLst>
+              <p:ext uri="{386F3935-93C4-4BCD-93E2-E3B085C9AB24}">
+                <p16:designElem xmlns:p16="http://schemas.microsoft.com/office/powerpoint/2015/main" val="1"/>
+              </p:ext>
+            </p:extLst>
+          </p:nvPr>
+        </p:nvSpPr>
+        <p:spPr>
+          <a:xfrm>
+            <a:off x="0" y="0"/>
+            <a:ext cx="12188952" cy="6858000"/>
+          </a:xfrm>
+          <a:prstGeom prst="rect">
+            <a:avLst/>
+          </a:prstGeom>
+          <a:solidFill>
+            <a:schemeClr val="tx1">
+              <a:alpha val="53000"/>
+            </a:schemeClr>
+          </a:solidFill>
+          <a:ln>
+            <a:noFill/>
+          </a:ln>
+        </p:spPr>
+        <p:style>
+          <a:lnRef idx="2">
+            <a:schemeClr val="accent1">
+              <a:shade val="50000"/>
+            </a:schemeClr>
+          </a:lnRef>
+          <a:fillRef idx="1">
+            <a:schemeClr val="accent1"/>
+          </a:fillRef>
+          <a:effectRef idx="0">
+            <a:schemeClr val="accent1"/>
+          </a:effectRef>
+          <a:fontRef idx="minor">
+            <a:schemeClr val="lt1"/>
+          </a:fontRef>
+        </p:style>
+        <p:txBody>
+          <a:bodyPr rtlCol="0" anchor="ctr"/>
+          <a:lstStyle/>
+          <a:p>
+            <a:pPr algn="ctr"/>
+            <a:endParaRPr lang="en-US"/>
+          </a:p>
+        </p:txBody>
+      </p:sp>
+      <p:sp>
+        <p:nvSpPr>
+          <p:cNvPr id="2" name="Cím 1">
+            <a:extLst>
+              <a:ext uri="{FF2B5EF4-FFF2-40B4-BE49-F238E27FC236}">
+                <a16:creationId xmlns:a16="http://schemas.microsoft.com/office/drawing/2014/main" id="{FBB36A1F-286C-99F9-CD96-34EB8B0422EE}"/>
+              </a:ext>
+            </a:extLst>
+          </p:cNvPr>
+          <p:cNvSpPr>
+            <a:spLocks noGrp="1"/>
+          </p:cNvSpPr>
+          <p:nvPr>
+            <p:ph type="title"/>
+          </p:nvPr>
+        </p:nvSpPr>
+        <p:spPr>
+          <a:xfrm>
+            <a:off x="629640" y="630935"/>
+            <a:ext cx="5107366" cy="2096769"/>
+          </a:xfrm>
+          <a:noFill/>
+        </p:spPr>
+        <p:txBody>
+          <a:bodyPr vert="horz" lIns="91440" tIns="45720" rIns="91440" bIns="45720" rtlCol="0" anchor="t">
+            <a:normAutofit/>
+          </a:bodyPr>
+          <a:lstStyle/>
+          <a:p>
+            <a:pPr defTabSz="914400">
+              <a:lnSpc>
+                <a:spcPct val="90000"/>
+              </a:lnSpc>
+              <a:spcBef>
+                <a:spcPct val="0"/>
+              </a:spcBef>
+            </a:pPr>
+            <a:r>
+              <a:rPr lang="en-US" sz="4800" kern="1200">
+                <a:solidFill>
+                  <a:schemeClr val="bg1"/>
+                </a:solidFill>
+                <a:latin typeface="+mj-lt"/>
+                <a:ea typeface="+mj-ea"/>
+                <a:cs typeface="+mj-cs"/>
+              </a:rPr>
+              <a:t>4.opció</a:t>
+            </a:r>
+          </a:p>
+        </p:txBody>
+      </p:sp>
+      <p:sp>
+        <p:nvSpPr>
+          <p:cNvPr id="23" name="Rectangle 22">
+            <a:extLst>
+              <a:ext uri="{FF2B5EF4-FFF2-40B4-BE49-F238E27FC236}">
+                <a16:creationId xmlns:a16="http://schemas.microsoft.com/office/drawing/2014/main" id="{4EC57637-D435-4155-993A-0E3A8BBBA560}"/>
+              </a:ext>
+              <a:ext uri="{C183D7F6-B498-43B3-948B-1728B52AA6E4}">
+                <adec:decorative xmlns:adec="http://schemas.microsoft.com/office/drawing/2017/decorative" val="1"/>
+              </a:ext>
+            </a:extLst>
+          </p:cNvPr>
+          <p:cNvSpPr>
+            <a:spLocks noGrp="1" noRot="1" noChangeAspect="1" noMove="1" noResize="1" noEditPoints="1" noAdjustHandles="1" noChangeArrowheads="1" noChangeShapeType="1" noTextEdit="1"/>
+          </p:cNvSpPr>
+          <p:nvPr>
+            <p:extLst>
+              <p:ext uri="{386F3935-93C4-4BCD-93E2-E3B085C9AB24}">
+                <p16:designElem xmlns:p16="http://schemas.microsoft.com/office/powerpoint/2015/main" val="1"/>
+              </p:ext>
+            </p:extLst>
+          </p:nvPr>
+        </p:nvSpPr>
+        <p:spPr>
+          <a:xfrm rot="16200000">
+            <a:off x="10438146" y="1042605"/>
+            <a:ext cx="2796461" cy="711252"/>
+          </a:xfrm>
+          <a:prstGeom prst="rect">
+            <a:avLst/>
+          </a:prstGeom>
+          <a:gradFill flip="none" rotWithShape="1">
+            <a:gsLst>
+              <a:gs pos="0">
+                <a:schemeClr val="tx2">
+                  <a:lumMod val="40000"/>
+                  <a:lumOff val="60000"/>
+                  <a:alpha val="0"/>
+                </a:schemeClr>
+              </a:gs>
+              <a:gs pos="100000">
+                <a:schemeClr val="tx2">
+                  <a:lumMod val="75000"/>
+                  <a:alpha val="10000"/>
+                </a:schemeClr>
+              </a:gs>
+            </a:gsLst>
+            <a:lin ang="8400000" scaled="0"/>
+            <a:tileRect/>
+          </a:gradFill>
+          <a:ln>
+            <a:noFill/>
+          </a:ln>
+        </p:spPr>
+        <p:style>
+          <a:lnRef idx="2">
+            <a:schemeClr val="accent1">
+              <a:shade val="50000"/>
+            </a:schemeClr>
+          </a:lnRef>
+          <a:fillRef idx="1">
+            <a:schemeClr val="accent1"/>
+          </a:fillRef>
+          <a:effectRef idx="0">
+            <a:schemeClr val="accent1"/>
+          </a:effectRef>
+          <a:fontRef idx="minor">
+            <a:schemeClr val="lt1"/>
+          </a:fontRef>
+        </p:style>
+        <p:txBody>
+          <a:bodyPr rtlCol="0" anchor="ctr"/>
+          <a:lstStyle/>
+          <a:p>
+            <a:pPr algn="ctr"/>
+            <a:endParaRPr lang="en-US"/>
+          </a:p>
+        </p:txBody>
+      </p:sp>
+      <p:grpSp>
+        <p:nvGrpSpPr>
+          <p:cNvPr id="25" name="Group 24">
+            <a:extLst>
+              <a:ext uri="{FF2B5EF4-FFF2-40B4-BE49-F238E27FC236}">
+                <a16:creationId xmlns:a16="http://schemas.microsoft.com/office/drawing/2014/main" id="{0B81AE96-B9C7-4679-BC62-F2C79F2E8F37}"/>
+              </a:ext>
+              <a:ext uri="{C183D7F6-B498-43B3-948B-1728B52AA6E4}">
+                <adec:decorative xmlns:adec="http://schemas.microsoft.com/office/drawing/2017/decorative" val="1"/>
+              </a:ext>
+            </a:extLst>
+          </p:cNvPr>
+          <p:cNvGrpSpPr>
+            <a:grpSpLocks noGrp="1" noUngrp="1" noRot="1" noChangeAspect="1" noMove="1" noResize="1"/>
+          </p:cNvGrpSpPr>
+          <p:nvPr>
+            <p:extLst>
+              <p:ext uri="{386F3935-93C4-4BCD-93E2-E3B085C9AB24}">
+                <p16:designElem xmlns:p16="http://schemas.microsoft.com/office/powerpoint/2015/main" val="1"/>
+              </p:ext>
+            </p:extLst>
+          </p:nvPr>
+        </p:nvGrpSpPr>
+        <p:grpSpPr>
+          <a:xfrm>
+            <a:off x="11259539" y="317578"/>
+            <a:ext cx="548640" cy="549007"/>
+            <a:chOff x="7029447" y="3514725"/>
+            <a:chExt cx="1285875" cy="549007"/>
+          </a:xfrm>
+        </p:grpSpPr>
+        <p:cxnSp>
+          <p:nvCxnSpPr>
+            <p:cNvPr id="26" name="Straight Connector 25">
+              <a:extLst>
+                <a:ext uri="{FF2B5EF4-FFF2-40B4-BE49-F238E27FC236}">
+                  <a16:creationId xmlns:a16="http://schemas.microsoft.com/office/drawing/2014/main" id="{BD4225F6-B312-47D5-8299-988BD17E0E66}"/>
+                </a:ext>
+                <a:ext uri="{C183D7F6-B498-43B3-948B-1728B52AA6E4}">
+                  <adec:decorative xmlns:adec="http://schemas.microsoft.com/office/drawing/2017/decorative" val="1"/>
+                </a:ext>
+              </a:extLst>
+            </p:cNvPr>
+            <p:cNvCxnSpPr>
+              <a:cxnSpLocks/>
+            </p:cNvCxnSpPr>
+            <p:nvPr>
+              <p:extLst>
+                <p:ext uri="{386F3935-93C4-4BCD-93E2-E3B085C9AB24}">
+                  <p16:designElem xmlns:p16="http://schemas.microsoft.com/office/powerpoint/2015/main" val="1"/>
+                </p:ext>
+              </p:extLst>
+            </p:nvPr>
+          </p:nvCxnSpPr>
+          <p:spPr>
+            <a:xfrm>
+              <a:off x="7029447" y="3514725"/>
+              <a:ext cx="1285875" cy="0"/>
+            </a:xfrm>
+            <a:prstGeom prst="line">
+              <a:avLst/>
+            </a:prstGeom>
+            <a:ln w="31750" cap="rnd" cmpd="sng">
+              <a:gradFill>
+                <a:gsLst>
+                  <a:gs pos="0">
+                    <a:schemeClr val="tx2">
+                      <a:lumMod val="60000"/>
+                      <a:lumOff val="40000"/>
+                      <a:alpha val="40000"/>
+                    </a:schemeClr>
+                  </a:gs>
+                  <a:gs pos="100000">
+                    <a:schemeClr val="tx2">
+                      <a:lumMod val="75000"/>
+                      <a:alpha val="40000"/>
+                    </a:schemeClr>
+                  </a:gs>
+                </a:gsLst>
+                <a:lin ang="5400000" scaled="1"/>
+              </a:gradFill>
+              <a:prstDash val="sysDot"/>
+              <a:round/>
+            </a:ln>
+          </p:spPr>
+          <p:style>
+            <a:lnRef idx="1">
+              <a:schemeClr val="accent1"/>
+            </a:lnRef>
+            <a:fillRef idx="0">
+              <a:schemeClr val="accent1"/>
+            </a:fillRef>
+            <a:effectRef idx="0">
+              <a:schemeClr val="accent1"/>
+            </a:effectRef>
+            <a:fontRef idx="minor">
+              <a:schemeClr val="tx1"/>
+            </a:fontRef>
+          </p:style>
+        </p:cxnSp>
+        <p:cxnSp>
+          <p:nvCxnSpPr>
+            <p:cNvPr id="27" name="Straight Connector 26">
+              <a:extLst>
+                <a:ext uri="{FF2B5EF4-FFF2-40B4-BE49-F238E27FC236}">
+                  <a16:creationId xmlns:a16="http://schemas.microsoft.com/office/drawing/2014/main" id="{D3C04A86-BCAE-473C-B18D-88FD5627C47B}"/>
+                </a:ext>
+                <a:ext uri="{C183D7F6-B498-43B3-948B-1728B52AA6E4}">
+                  <adec:decorative xmlns:adec="http://schemas.microsoft.com/office/drawing/2017/decorative" val="1"/>
+                </a:ext>
+              </a:extLst>
+            </p:cNvPr>
+            <p:cNvCxnSpPr>
+              <a:cxnSpLocks/>
+            </p:cNvCxnSpPr>
+            <p:nvPr>
+              <p:extLst>
+                <p:ext uri="{386F3935-93C4-4BCD-93E2-E3B085C9AB24}">
+                  <p16:designElem xmlns:p16="http://schemas.microsoft.com/office/powerpoint/2015/main" val="1"/>
+                </p:ext>
+              </p:extLst>
+            </p:nvPr>
+          </p:nvCxnSpPr>
+          <p:spPr>
+            <a:xfrm>
+              <a:off x="7029447" y="3697727"/>
+              <a:ext cx="1285875" cy="0"/>
+            </a:xfrm>
+            <a:prstGeom prst="line">
+              <a:avLst/>
+            </a:prstGeom>
+            <a:ln w="31750" cap="rnd" cmpd="sng">
+              <a:gradFill>
+                <a:gsLst>
+                  <a:gs pos="0">
+                    <a:schemeClr val="tx2">
+                      <a:lumMod val="60000"/>
+                      <a:lumOff val="40000"/>
+                      <a:alpha val="40000"/>
+                    </a:schemeClr>
+                  </a:gs>
+                  <a:gs pos="100000">
+                    <a:schemeClr val="tx2">
+                      <a:lumMod val="75000"/>
+                      <a:alpha val="40000"/>
+                    </a:schemeClr>
+                  </a:gs>
+                </a:gsLst>
+                <a:lin ang="5400000" scaled="1"/>
+              </a:gradFill>
+              <a:prstDash val="sysDot"/>
+              <a:round/>
+            </a:ln>
+          </p:spPr>
+          <p:style>
+            <a:lnRef idx="1">
+              <a:schemeClr val="accent1"/>
+            </a:lnRef>
+            <a:fillRef idx="0">
+              <a:schemeClr val="accent1"/>
+            </a:fillRef>
+            <a:effectRef idx="0">
+              <a:schemeClr val="accent1"/>
+            </a:effectRef>
+            <a:fontRef idx="minor">
+              <a:schemeClr val="tx1"/>
+            </a:fontRef>
+          </p:style>
+        </p:cxnSp>
+        <p:cxnSp>
+          <p:nvCxnSpPr>
+            <p:cNvPr id="28" name="Straight Connector 27">
+              <a:extLst>
+                <a:ext uri="{FF2B5EF4-FFF2-40B4-BE49-F238E27FC236}">
+                  <a16:creationId xmlns:a16="http://schemas.microsoft.com/office/drawing/2014/main" id="{22CCD134-9351-4847-8741-FF5EAB4705B1}"/>
+                </a:ext>
+                <a:ext uri="{C183D7F6-B498-43B3-948B-1728B52AA6E4}">
+                  <adec:decorative xmlns:adec="http://schemas.microsoft.com/office/drawing/2017/decorative" val="1"/>
+                </a:ext>
+              </a:extLst>
+            </p:cNvPr>
+            <p:cNvCxnSpPr>
+              <a:cxnSpLocks/>
+            </p:cNvCxnSpPr>
+            <p:nvPr>
+              <p:extLst>
+                <p:ext uri="{386F3935-93C4-4BCD-93E2-E3B085C9AB24}">
+                  <p16:designElem xmlns:p16="http://schemas.microsoft.com/office/powerpoint/2015/main" val="1"/>
+                </p:ext>
+              </p:extLst>
+            </p:nvPr>
+          </p:nvCxnSpPr>
+          <p:spPr>
+            <a:xfrm>
+              <a:off x="7029447" y="3880729"/>
+              <a:ext cx="1285875" cy="0"/>
+            </a:xfrm>
+            <a:prstGeom prst="line">
+              <a:avLst/>
+            </a:prstGeom>
+            <a:ln w="31750" cap="rnd" cmpd="sng">
+              <a:gradFill>
+                <a:gsLst>
+                  <a:gs pos="0">
+                    <a:schemeClr val="tx2">
+                      <a:lumMod val="60000"/>
+                      <a:lumOff val="40000"/>
+                      <a:alpha val="40000"/>
+                    </a:schemeClr>
+                  </a:gs>
+                  <a:gs pos="100000">
+                    <a:schemeClr val="tx2">
+                      <a:lumMod val="75000"/>
+                      <a:alpha val="40000"/>
+                    </a:schemeClr>
+                  </a:gs>
+                </a:gsLst>
+                <a:lin ang="5400000" scaled="1"/>
+              </a:gradFill>
+              <a:prstDash val="sysDot"/>
+              <a:round/>
+            </a:ln>
+          </p:spPr>
+          <p:style>
+            <a:lnRef idx="1">
+              <a:schemeClr val="accent1"/>
+            </a:lnRef>
+            <a:fillRef idx="0">
+              <a:schemeClr val="accent1"/>
+            </a:fillRef>
+            <a:effectRef idx="0">
+              <a:schemeClr val="accent1"/>
+            </a:effectRef>
+            <a:fontRef idx="minor">
+              <a:schemeClr val="tx1"/>
+            </a:fontRef>
+          </p:style>
+        </p:cxnSp>
+        <p:cxnSp>
+          <p:nvCxnSpPr>
+            <p:cNvPr id="29" name="Straight Connector 28">
+              <a:extLst>
+                <a:ext uri="{FF2B5EF4-FFF2-40B4-BE49-F238E27FC236}">
+                  <a16:creationId xmlns:a16="http://schemas.microsoft.com/office/drawing/2014/main" id="{41470C83-08EE-4959-BA0A-F8846F524E87}"/>
+                </a:ext>
+                <a:ext uri="{C183D7F6-B498-43B3-948B-1728B52AA6E4}">
+                  <adec:decorative xmlns:adec="http://schemas.microsoft.com/office/drawing/2017/decorative" val="1"/>
+                </a:ext>
+              </a:extLst>
+            </p:cNvPr>
+            <p:cNvCxnSpPr>
+              <a:cxnSpLocks/>
+            </p:cNvCxnSpPr>
+            <p:nvPr>
+              <p:extLst>
+                <p:ext uri="{386F3935-93C4-4BCD-93E2-E3B085C9AB24}">
+                  <p16:designElem xmlns:p16="http://schemas.microsoft.com/office/powerpoint/2015/main" val="1"/>
+                </p:ext>
+              </p:extLst>
+            </p:nvPr>
+          </p:nvCxnSpPr>
+          <p:spPr>
+            <a:xfrm>
+              <a:off x="7029447" y="4063732"/>
+              <a:ext cx="1285875" cy="0"/>
+            </a:xfrm>
+            <a:prstGeom prst="line">
+              <a:avLst/>
+            </a:prstGeom>
+            <a:ln w="31750" cap="rnd" cmpd="sng">
+              <a:gradFill>
+                <a:gsLst>
+                  <a:gs pos="0">
+                    <a:schemeClr val="tx2">
+                      <a:lumMod val="60000"/>
+                      <a:lumOff val="40000"/>
+                      <a:alpha val="40000"/>
+                    </a:schemeClr>
+                  </a:gs>
+                  <a:gs pos="100000">
+                    <a:schemeClr val="tx2">
+                      <a:lumMod val="75000"/>
+                      <a:alpha val="40000"/>
+                    </a:schemeClr>
+                  </a:gs>
+                </a:gsLst>
+                <a:lin ang="5400000" scaled="1"/>
+              </a:gradFill>
+              <a:prstDash val="sysDot"/>
+              <a:round/>
+            </a:ln>
+          </p:spPr>
+          <p:style>
+            <a:lnRef idx="1">
+              <a:schemeClr val="accent1"/>
+            </a:lnRef>
+            <a:fillRef idx="0">
+              <a:schemeClr val="accent1"/>
+            </a:fillRef>
+            <a:effectRef idx="0">
+              <a:schemeClr val="accent1"/>
+            </a:effectRef>
+            <a:fontRef idx="minor">
+              <a:schemeClr val="tx1"/>
+            </a:fontRef>
+          </p:style>
+        </p:cxnSp>
+      </p:grpSp>
+      <p:grpSp>
+        <p:nvGrpSpPr>
+          <p:cNvPr id="31" name="Group 30">
+            <a:extLst>
+              <a:ext uri="{FF2B5EF4-FFF2-40B4-BE49-F238E27FC236}">
+                <a16:creationId xmlns:a16="http://schemas.microsoft.com/office/drawing/2014/main" id="{DBFD3A89-3666-47FE-913F-6C75228F5D3F}"/>
+              </a:ext>
+              <a:ext uri="{C183D7F6-B498-43B3-948B-1728B52AA6E4}">
+                <adec:decorative xmlns:adec="http://schemas.microsoft.com/office/drawing/2017/decorative" val="1"/>
+              </a:ext>
+            </a:extLst>
+          </p:cNvPr>
+          <p:cNvGrpSpPr>
+            <a:grpSpLocks noGrp="1" noUngrp="1" noRot="1" noChangeAspect="1" noMove="1" noResize="1"/>
+          </p:cNvGrpSpPr>
+          <p:nvPr>
+            <p:extLst>
+              <p:ext uri="{386F3935-93C4-4BCD-93E2-E3B085C9AB24}">
+                <p16:designElem xmlns:p16="http://schemas.microsoft.com/office/powerpoint/2015/main" val="1"/>
+              </p:ext>
+            </p:extLst>
+          </p:nvPr>
+        </p:nvGrpSpPr>
+        <p:grpSpPr>
+          <a:xfrm rot="5400000">
+            <a:off x="616345" y="5940560"/>
+            <a:ext cx="1285875" cy="549007"/>
+            <a:chOff x="7029447" y="3514725"/>
+            <a:chExt cx="1285875" cy="549007"/>
+          </a:xfrm>
+        </p:grpSpPr>
+        <p:cxnSp>
+          <p:nvCxnSpPr>
+            <p:cNvPr id="32" name="Straight Connector 31">
+              <a:extLst>
+                <a:ext uri="{FF2B5EF4-FFF2-40B4-BE49-F238E27FC236}">
+                  <a16:creationId xmlns:a16="http://schemas.microsoft.com/office/drawing/2014/main" id="{AD6B60E5-039C-4E82-9B5C-984D6C46E148}"/>
+                </a:ext>
+                <a:ext uri="{C183D7F6-B498-43B3-948B-1728B52AA6E4}">
+                  <adec:decorative xmlns:adec="http://schemas.microsoft.com/office/drawing/2017/decorative" val="1"/>
+                </a:ext>
+              </a:extLst>
+            </p:cNvPr>
+            <p:cNvCxnSpPr>
+              <a:cxnSpLocks/>
+            </p:cNvCxnSpPr>
+            <p:nvPr>
+              <p:extLst>
+                <p:ext uri="{386F3935-93C4-4BCD-93E2-E3B085C9AB24}">
+                  <p16:designElem xmlns:p16="http://schemas.microsoft.com/office/powerpoint/2015/main" val="1"/>
+                </p:ext>
+              </p:extLst>
+            </p:nvPr>
+          </p:nvCxnSpPr>
+          <p:spPr>
+            <a:xfrm>
+              <a:off x="7029447" y="3514725"/>
+              <a:ext cx="1285875" cy="0"/>
+            </a:xfrm>
+            <a:prstGeom prst="line">
+              <a:avLst/>
+            </a:prstGeom>
+            <a:ln w="31750" cap="rnd" cmpd="sng">
+              <a:gradFill>
+                <a:gsLst>
+                  <a:gs pos="0">
+                    <a:schemeClr val="tx2">
+                      <a:lumMod val="60000"/>
+                      <a:lumOff val="40000"/>
+                      <a:alpha val="40000"/>
+                    </a:schemeClr>
+                  </a:gs>
+                  <a:gs pos="100000">
+                    <a:schemeClr val="tx2">
+                      <a:lumMod val="50000"/>
+                      <a:alpha val="40000"/>
+                    </a:schemeClr>
+                  </a:gs>
+                </a:gsLst>
+                <a:lin ang="5400000" scaled="1"/>
+              </a:gradFill>
+              <a:prstDash val="sysDot"/>
+              <a:round/>
+            </a:ln>
+          </p:spPr>
+          <p:style>
+            <a:lnRef idx="1">
+              <a:schemeClr val="accent1"/>
+            </a:lnRef>
+            <a:fillRef idx="0">
+              <a:schemeClr val="accent1"/>
+            </a:fillRef>
+            <a:effectRef idx="0">
+              <a:schemeClr val="accent1"/>
+            </a:effectRef>
+            <a:fontRef idx="minor">
+              <a:schemeClr val="tx1"/>
+            </a:fontRef>
+          </p:style>
+        </p:cxnSp>
+        <p:cxnSp>
+          <p:nvCxnSpPr>
+            <p:cNvPr id="33" name="Straight Connector 32">
+              <a:extLst>
+                <a:ext uri="{FF2B5EF4-FFF2-40B4-BE49-F238E27FC236}">
+                  <a16:creationId xmlns:a16="http://schemas.microsoft.com/office/drawing/2014/main" id="{F3D05E89-A5D2-4DC0-B6B1-298EF0EF0A43}"/>
+                </a:ext>
+                <a:ext uri="{C183D7F6-B498-43B3-948B-1728B52AA6E4}">
+                  <adec:decorative xmlns:adec="http://schemas.microsoft.com/office/drawing/2017/decorative" val="1"/>
+                </a:ext>
+              </a:extLst>
+            </p:cNvPr>
+            <p:cNvCxnSpPr>
+              <a:cxnSpLocks/>
+            </p:cNvCxnSpPr>
+            <p:nvPr>
+              <p:extLst>
+                <p:ext uri="{386F3935-93C4-4BCD-93E2-E3B085C9AB24}">
+                  <p16:designElem xmlns:p16="http://schemas.microsoft.com/office/powerpoint/2015/main" val="1"/>
+                </p:ext>
+              </p:extLst>
+            </p:nvPr>
+          </p:nvCxnSpPr>
+          <p:spPr>
+            <a:xfrm>
+              <a:off x="7029447" y="3697727"/>
+              <a:ext cx="1285875" cy="0"/>
+            </a:xfrm>
+            <a:prstGeom prst="line">
+              <a:avLst/>
+            </a:prstGeom>
+            <a:ln w="31750" cap="rnd" cmpd="sng">
+              <a:gradFill>
+                <a:gsLst>
+                  <a:gs pos="0">
+                    <a:schemeClr val="tx2">
+                      <a:lumMod val="60000"/>
+                      <a:lumOff val="40000"/>
+                      <a:alpha val="40000"/>
+                    </a:schemeClr>
+                  </a:gs>
+                  <a:gs pos="100000">
+                    <a:schemeClr val="tx2">
+                      <a:lumMod val="50000"/>
+                      <a:alpha val="40000"/>
+                    </a:schemeClr>
+                  </a:gs>
+                </a:gsLst>
+                <a:lin ang="5400000" scaled="1"/>
+              </a:gradFill>
+              <a:prstDash val="sysDot"/>
+              <a:round/>
+            </a:ln>
+          </p:spPr>
+          <p:style>
+            <a:lnRef idx="1">
+              <a:schemeClr val="accent1"/>
+            </a:lnRef>
+            <a:fillRef idx="0">
+              <a:schemeClr val="accent1"/>
+            </a:fillRef>
+            <a:effectRef idx="0">
+              <a:schemeClr val="accent1"/>
+            </a:effectRef>
+            <a:fontRef idx="minor">
+              <a:schemeClr val="tx1"/>
+            </a:fontRef>
+          </p:style>
+        </p:cxnSp>
+        <p:cxnSp>
+          <p:nvCxnSpPr>
+            <p:cNvPr id="34" name="Straight Connector 33">
+              <a:extLst>
+                <a:ext uri="{FF2B5EF4-FFF2-40B4-BE49-F238E27FC236}">
+                  <a16:creationId xmlns:a16="http://schemas.microsoft.com/office/drawing/2014/main" id="{4337967A-8AB7-47D5-A75E-6341730E9952}"/>
+                </a:ext>
+                <a:ext uri="{C183D7F6-B498-43B3-948B-1728B52AA6E4}">
+                  <adec:decorative xmlns:adec="http://schemas.microsoft.com/office/drawing/2017/decorative" val="1"/>
+                </a:ext>
+              </a:extLst>
+            </p:cNvPr>
+            <p:cNvCxnSpPr>
+              <a:cxnSpLocks/>
+            </p:cNvCxnSpPr>
+            <p:nvPr>
+              <p:extLst>
+                <p:ext uri="{386F3935-93C4-4BCD-93E2-E3B085C9AB24}">
+                  <p16:designElem xmlns:p16="http://schemas.microsoft.com/office/powerpoint/2015/main" val="1"/>
+                </p:ext>
+              </p:extLst>
+            </p:nvPr>
+          </p:nvCxnSpPr>
+          <p:spPr>
+            <a:xfrm>
+              <a:off x="7029447" y="3880729"/>
+              <a:ext cx="1285875" cy="0"/>
+            </a:xfrm>
+            <a:prstGeom prst="line">
+              <a:avLst/>
+            </a:prstGeom>
+            <a:ln w="31750" cap="rnd" cmpd="sng">
+              <a:gradFill>
+                <a:gsLst>
+                  <a:gs pos="0">
+                    <a:schemeClr val="tx2">
+                      <a:lumMod val="60000"/>
+                      <a:lumOff val="40000"/>
+                      <a:alpha val="40000"/>
+                    </a:schemeClr>
+                  </a:gs>
+                  <a:gs pos="100000">
+                    <a:schemeClr val="tx2">
+                      <a:lumMod val="50000"/>
+                      <a:alpha val="40000"/>
+                    </a:schemeClr>
+                  </a:gs>
+                </a:gsLst>
+                <a:lin ang="5400000" scaled="1"/>
+              </a:gradFill>
+              <a:prstDash val="sysDot"/>
+              <a:round/>
+            </a:ln>
+          </p:spPr>
+          <p:style>
+            <a:lnRef idx="1">
+              <a:schemeClr val="accent1"/>
+            </a:lnRef>
+            <a:fillRef idx="0">
+              <a:schemeClr val="accent1"/>
+            </a:fillRef>
+            <a:effectRef idx="0">
+              <a:schemeClr val="accent1"/>
+            </a:effectRef>
+            <a:fontRef idx="minor">
+              <a:schemeClr val="tx1"/>
+            </a:fontRef>
+          </p:style>
+        </p:cxnSp>
+        <p:cxnSp>
+          <p:nvCxnSpPr>
+            <p:cNvPr id="35" name="Straight Connector 34">
+              <a:extLst>
+                <a:ext uri="{FF2B5EF4-FFF2-40B4-BE49-F238E27FC236}">
+                  <a16:creationId xmlns:a16="http://schemas.microsoft.com/office/drawing/2014/main" id="{CA068AD4-624D-4314-8C86-A3C0C3378C87}"/>
+                </a:ext>
+                <a:ext uri="{C183D7F6-B498-43B3-948B-1728B52AA6E4}">
+                  <adec:decorative xmlns:adec="http://schemas.microsoft.com/office/drawing/2017/decorative" val="1"/>
+                </a:ext>
+              </a:extLst>
+            </p:cNvPr>
+            <p:cNvCxnSpPr>
+              <a:cxnSpLocks/>
+            </p:cNvCxnSpPr>
+            <p:nvPr>
+              <p:extLst>
+                <p:ext uri="{386F3935-93C4-4BCD-93E2-E3B085C9AB24}">
+                  <p16:designElem xmlns:p16="http://schemas.microsoft.com/office/powerpoint/2015/main" val="1"/>
+                </p:ext>
+              </p:extLst>
+            </p:nvPr>
+          </p:nvCxnSpPr>
+          <p:spPr>
+            <a:xfrm>
+              <a:off x="7029447" y="4063732"/>
+              <a:ext cx="1285875" cy="0"/>
+            </a:xfrm>
+            <a:prstGeom prst="line">
+              <a:avLst/>
+            </a:prstGeom>
+            <a:ln w="31750" cap="rnd" cmpd="sng">
+              <a:gradFill>
+                <a:gsLst>
+                  <a:gs pos="0">
+                    <a:schemeClr val="tx2">
+                      <a:lumMod val="60000"/>
+                      <a:lumOff val="40000"/>
+                      <a:alpha val="40000"/>
+                    </a:schemeClr>
+                  </a:gs>
+                  <a:gs pos="100000">
+                    <a:schemeClr val="tx2">
+                      <a:lumMod val="50000"/>
+                      <a:alpha val="40000"/>
+                    </a:schemeClr>
+                  </a:gs>
+                </a:gsLst>
+                <a:lin ang="5400000" scaled="1"/>
+              </a:gradFill>
+              <a:prstDash val="sysDot"/>
+              <a:round/>
+            </a:ln>
+          </p:spPr>
+          <p:style>
+            <a:lnRef idx="1">
+              <a:schemeClr val="accent1"/>
+            </a:lnRef>
+            <a:fillRef idx="0">
+              <a:schemeClr val="accent1"/>
+            </a:fillRef>
+            <a:effectRef idx="0">
+              <a:schemeClr val="accent1"/>
+            </a:effectRef>
+            <a:fontRef idx="minor">
+              <a:schemeClr val="tx1"/>
+            </a:fontRef>
+          </p:style>
+        </p:cxnSp>
+      </p:grpSp>
+      <p:pic>
+        <p:nvPicPr>
+          <p:cNvPr id="4" name="Kép 3" descr="A képen szöveg, Betűtípus, képernyőkép, fekete látható&#10;&#10;Automatikusan generált leírás">
+            <a:extLst>
+              <a:ext uri="{FF2B5EF4-FFF2-40B4-BE49-F238E27FC236}">
+                <a16:creationId xmlns:a16="http://schemas.microsoft.com/office/drawing/2014/main" id="{F3E0D912-DD93-3A6C-F18D-DC94804D6858}"/>
+              </a:ext>
+            </a:extLst>
+          </p:cNvPr>
+          <p:cNvPicPr>
+            <a:picLocks noChangeAspect="1"/>
+          </p:cNvPicPr>
+          <p:nvPr/>
+        </p:nvPicPr>
+        <p:blipFill>
+          <a:blip r:embed="rId2"/>
+          <a:stretch>
+            <a:fillRect/>
+          </a:stretch>
+        </p:blipFill>
+        <p:spPr>
+          <a:xfrm>
+            <a:off x="631359" y="3230921"/>
+            <a:ext cx="10843065" cy="2575226"/>
+          </a:xfrm>
+          <a:prstGeom prst="rect">
+            <a:avLst/>
+          </a:prstGeom>
+        </p:spPr>
+      </p:pic>
+      <p:grpSp>
+        <p:nvGrpSpPr>
+          <p:cNvPr id="37" name="Group 36">
+            <a:extLst>
+              <a:ext uri="{FF2B5EF4-FFF2-40B4-BE49-F238E27FC236}">
+                <a16:creationId xmlns:a16="http://schemas.microsoft.com/office/drawing/2014/main" id="{ACA2F7C3-1A69-44EE-A8B6-A4552E2C849E}"/>
+              </a:ext>
+              <a:ext uri="{C183D7F6-B498-43B3-948B-1728B52AA6E4}">
+                <adec:decorative xmlns:adec="http://schemas.microsoft.com/office/drawing/2017/decorative" val="1"/>
+              </a:ext>
+            </a:extLst>
+          </p:cNvPr>
+          <p:cNvGrpSpPr>
+            <a:grpSpLocks noGrp="1" noUngrp="1" noRot="1" noChangeAspect="1" noMove="1" noResize="1"/>
+          </p:cNvGrpSpPr>
+          <p:nvPr>
+            <p:extLst>
+              <p:ext uri="{386F3935-93C4-4BCD-93E2-E3B085C9AB24}">
+                <p16:designElem xmlns:p16="http://schemas.microsoft.com/office/powerpoint/2015/main" val="1"/>
+              </p:ext>
+            </p:extLst>
+          </p:nvPr>
+        </p:nvGrpSpPr>
+        <p:grpSpPr>
+          <a:xfrm rot="16200000">
+            <a:off x="475716" y="3029889"/>
+            <a:ext cx="304800" cy="429768"/>
+            <a:chOff x="215328" y="-46937"/>
+            <a:chExt cx="304800" cy="2773841"/>
+          </a:xfrm>
+        </p:grpSpPr>
+        <p:cxnSp>
+          <p:nvCxnSpPr>
+            <p:cNvPr id="38" name="Straight Connector 37">
+              <a:extLst>
+                <a:ext uri="{FF2B5EF4-FFF2-40B4-BE49-F238E27FC236}">
+                  <a16:creationId xmlns:a16="http://schemas.microsoft.com/office/drawing/2014/main" id="{6E44AF4D-8873-43B3-8E29-803B7720EA98}"/>
+                </a:ext>
+                <a:ext uri="{C183D7F6-B498-43B3-948B-1728B52AA6E4}">
+                  <adec:decorative xmlns:adec="http://schemas.microsoft.com/office/drawing/2017/decorative" val="1"/>
+                </a:ext>
+              </a:extLst>
+            </p:cNvPr>
+            <p:cNvCxnSpPr>
+              <a:cxnSpLocks/>
+            </p:cNvCxnSpPr>
+            <p:nvPr>
+              <p:extLst>
+                <p:ext uri="{386F3935-93C4-4BCD-93E2-E3B085C9AB24}">
+                  <p16:designElem xmlns:p16="http://schemas.microsoft.com/office/powerpoint/2015/main" val="1"/>
+                </p:ext>
+              </p:extLst>
+            </p:nvPr>
+          </p:nvCxnSpPr>
+          <p:spPr>
+            <a:xfrm>
+              <a:off x="215328" y="-46937"/>
+              <a:ext cx="0" cy="2773841"/>
+            </a:xfrm>
+            <a:prstGeom prst="line">
+              <a:avLst/>
+            </a:prstGeom>
+            <a:ln w="25400" cmpd="sng">
+              <a:solidFill>
+                <a:schemeClr val="bg2">
+                  <a:lumMod val="60000"/>
+                  <a:lumOff val="40000"/>
+                  <a:alpha val="50000"/>
+                </a:schemeClr>
+              </a:solidFill>
+              <a:prstDash val="sysDot"/>
+            </a:ln>
+          </p:spPr>
+          <p:style>
+            <a:lnRef idx="1">
+              <a:schemeClr val="accent1"/>
+            </a:lnRef>
+            <a:fillRef idx="0">
+              <a:schemeClr val="accent1"/>
+            </a:fillRef>
+            <a:effectRef idx="0">
+              <a:schemeClr val="accent1"/>
+            </a:effectRef>
+            <a:fontRef idx="minor">
+              <a:schemeClr val="tx1"/>
+            </a:fontRef>
+          </p:style>
+        </p:cxnSp>
+        <p:cxnSp>
+          <p:nvCxnSpPr>
+            <p:cNvPr id="39" name="Straight Connector 38">
+              <a:extLst>
+                <a:ext uri="{FF2B5EF4-FFF2-40B4-BE49-F238E27FC236}">
+                  <a16:creationId xmlns:a16="http://schemas.microsoft.com/office/drawing/2014/main" id="{CAE89E8A-BD14-4974-818A-D8382DCD4D4A}"/>
+                </a:ext>
+                <a:ext uri="{C183D7F6-B498-43B3-948B-1728B52AA6E4}">
+                  <adec:decorative xmlns:adec="http://schemas.microsoft.com/office/drawing/2017/decorative" val="1"/>
+                </a:ext>
+              </a:extLst>
+            </p:cNvPr>
+            <p:cNvCxnSpPr>
+              <a:cxnSpLocks/>
+            </p:cNvCxnSpPr>
+            <p:nvPr>
+              <p:extLst>
+                <p:ext uri="{386F3935-93C4-4BCD-93E2-E3B085C9AB24}">
+                  <p16:designElem xmlns:p16="http://schemas.microsoft.com/office/powerpoint/2015/main" val="1"/>
+                </p:ext>
+              </p:extLst>
+            </p:nvPr>
+          </p:nvCxnSpPr>
+          <p:spPr>
+            <a:xfrm>
+              <a:off x="316928" y="-46937"/>
+              <a:ext cx="0" cy="2773841"/>
+            </a:xfrm>
+            <a:prstGeom prst="line">
+              <a:avLst/>
+            </a:prstGeom>
+            <a:ln w="25400" cmpd="sng">
+              <a:solidFill>
+                <a:schemeClr val="bg2">
+                  <a:lumMod val="60000"/>
+                  <a:lumOff val="40000"/>
+                  <a:alpha val="50000"/>
+                </a:schemeClr>
+              </a:solidFill>
+              <a:prstDash val="sysDot"/>
+            </a:ln>
+          </p:spPr>
+          <p:style>
+            <a:lnRef idx="1">
+              <a:schemeClr val="accent1"/>
+            </a:lnRef>
+            <a:fillRef idx="0">
+              <a:schemeClr val="accent1"/>
+            </a:fillRef>
+            <a:effectRef idx="0">
+              <a:schemeClr val="accent1"/>
+            </a:effectRef>
+            <a:fontRef idx="minor">
+              <a:schemeClr val="tx1"/>
+            </a:fontRef>
+          </p:style>
+        </p:cxnSp>
+        <p:cxnSp>
+          <p:nvCxnSpPr>
+            <p:cNvPr id="40" name="Straight Connector 39">
+              <a:extLst>
+                <a:ext uri="{FF2B5EF4-FFF2-40B4-BE49-F238E27FC236}">
+                  <a16:creationId xmlns:a16="http://schemas.microsoft.com/office/drawing/2014/main" id="{321B80B9-448B-4363-9DD7-C074AB2AD7C7}"/>
+                </a:ext>
+                <a:ext uri="{C183D7F6-B498-43B3-948B-1728B52AA6E4}">
+                  <adec:decorative xmlns:adec="http://schemas.microsoft.com/office/drawing/2017/decorative" val="1"/>
+                </a:ext>
+              </a:extLst>
+            </p:cNvPr>
+            <p:cNvCxnSpPr>
+              <a:cxnSpLocks/>
+            </p:cNvCxnSpPr>
+            <p:nvPr>
+              <p:extLst>
+                <p:ext uri="{386F3935-93C4-4BCD-93E2-E3B085C9AB24}">
+                  <p16:designElem xmlns:p16="http://schemas.microsoft.com/office/powerpoint/2015/main" val="1"/>
+                </p:ext>
+              </p:extLst>
+            </p:nvPr>
+          </p:nvCxnSpPr>
+          <p:spPr>
+            <a:xfrm>
+              <a:off x="418528" y="-46937"/>
+              <a:ext cx="0" cy="2773841"/>
+            </a:xfrm>
+            <a:prstGeom prst="line">
+              <a:avLst/>
+            </a:prstGeom>
+            <a:ln w="25400" cmpd="sng">
+              <a:solidFill>
+                <a:schemeClr val="bg2">
+                  <a:lumMod val="60000"/>
+                  <a:lumOff val="40000"/>
+                  <a:alpha val="50000"/>
+                </a:schemeClr>
+              </a:solidFill>
+              <a:prstDash val="sysDot"/>
+            </a:ln>
+          </p:spPr>
+          <p:style>
+            <a:lnRef idx="1">
+              <a:schemeClr val="accent1"/>
+            </a:lnRef>
+            <a:fillRef idx="0">
+              <a:schemeClr val="accent1"/>
+            </a:fillRef>
+            <a:effectRef idx="0">
+              <a:schemeClr val="accent1"/>
+            </a:effectRef>
+            <a:fontRef idx="minor">
+              <a:schemeClr val="tx1"/>
+            </a:fontRef>
+          </p:style>
+        </p:cxnSp>
+        <p:cxnSp>
+          <p:nvCxnSpPr>
+            <p:cNvPr id="41" name="Straight Connector 40">
+              <a:extLst>
+                <a:ext uri="{FF2B5EF4-FFF2-40B4-BE49-F238E27FC236}">
+                  <a16:creationId xmlns:a16="http://schemas.microsoft.com/office/drawing/2014/main" id="{57DA34E7-83FB-4CAA-94F3-CEF0869076A6}"/>
+                </a:ext>
+                <a:ext uri="{C183D7F6-B498-43B3-948B-1728B52AA6E4}">
+                  <adec:decorative xmlns:adec="http://schemas.microsoft.com/office/drawing/2017/decorative" val="1"/>
+                </a:ext>
+              </a:extLst>
+            </p:cNvPr>
+            <p:cNvCxnSpPr>
+              <a:cxnSpLocks/>
+            </p:cNvCxnSpPr>
+            <p:nvPr>
+              <p:extLst>
+                <p:ext uri="{386F3935-93C4-4BCD-93E2-E3B085C9AB24}">
+                  <p16:designElem xmlns:p16="http://schemas.microsoft.com/office/powerpoint/2015/main" val="1"/>
+                </p:ext>
+              </p:extLst>
+            </p:nvPr>
+          </p:nvCxnSpPr>
+          <p:spPr>
+            <a:xfrm>
+              <a:off x="520128" y="-46937"/>
+              <a:ext cx="0" cy="2773841"/>
+            </a:xfrm>
+            <a:prstGeom prst="line">
+              <a:avLst/>
+            </a:prstGeom>
+            <a:ln w="25400" cmpd="sng">
+              <a:solidFill>
+                <a:schemeClr val="bg2">
+                  <a:lumMod val="60000"/>
+                  <a:lumOff val="40000"/>
+                  <a:alpha val="50000"/>
+                </a:schemeClr>
+              </a:solidFill>
+              <a:prstDash val="sysDot"/>
+            </a:ln>
+          </p:spPr>
+          <p:style>
+            <a:lnRef idx="1">
+              <a:schemeClr val="accent1"/>
+            </a:lnRef>
+            <a:fillRef idx="0">
+              <a:schemeClr val="accent1"/>
+            </a:fillRef>
+            <a:effectRef idx="0">
+              <a:schemeClr val="accent1"/>
+            </a:effectRef>
+            <a:fontRef idx="minor">
+              <a:schemeClr val="tx1"/>
+            </a:fontRef>
+          </p:style>
+        </p:cxnSp>
+      </p:grpSp>
+    </p:spTree>
+    <p:extLst>
+      <p:ext uri="{BB962C8B-B14F-4D97-AF65-F5344CB8AC3E}">
+        <p14:creationId xmlns:p14="http://schemas.microsoft.com/office/powerpoint/2010/main" val="4117006012"/>
       </p:ext>
     </p:extLst>
   </p:cSld>

--- a/Utazási- Iroda.pptx
+++ b/Utazási- Iroda.pptx
@@ -7077,36 +7077,6 @@
           </p:style>
         </p:cxnSp>
       </p:grpSp>
-      <p:pic>
-        <p:nvPicPr>
-          <p:cNvPr id="4" name="Kép 3" descr="A képen szöveg, képernyőkép, szoftver, Multimédiás szoftver látható&#10;&#10;Automatikusan generált leírás">
-            <a:extLst>
-              <a:ext uri="{FF2B5EF4-FFF2-40B4-BE49-F238E27FC236}">
-                <a16:creationId xmlns:a16="http://schemas.microsoft.com/office/drawing/2014/main" id="{6DDA58A9-A8AB-3AF0-6C46-2B68B7FC3515}"/>
-              </a:ext>
-            </a:extLst>
-          </p:cNvPr>
-          <p:cNvPicPr>
-            <a:picLocks noChangeAspect="1"/>
-          </p:cNvPicPr>
-          <p:nvPr/>
-        </p:nvPicPr>
-        <p:blipFill>
-          <a:blip r:embed="rId2"/>
-          <a:stretch>
-            <a:fillRect/>
-          </a:stretch>
-        </p:blipFill>
-        <p:spPr>
-          <a:xfrm>
-            <a:off x="1067779" y="2885910"/>
-            <a:ext cx="9970224" cy="3265248"/>
-          </a:xfrm>
-          <a:prstGeom prst="rect">
-            <a:avLst/>
-          </a:prstGeom>
-        </p:spPr>
-      </p:pic>
       <p:grpSp>
         <p:nvGrpSpPr>
           <p:cNvPr id="37" name="Group 36">
@@ -7367,6 +7337,36 @@
           </p:style>
         </p:cxnSp>
       </p:grpSp>
+      <p:pic>
+        <p:nvPicPr>
+          <p:cNvPr id="5" name="Kép 4">
+            <a:extLst>
+              <a:ext uri="{FF2B5EF4-FFF2-40B4-BE49-F238E27FC236}">
+                <a16:creationId xmlns:a16="http://schemas.microsoft.com/office/drawing/2014/main" id="{2BD6F947-A56C-0DEC-3727-DA631E26A5D9}"/>
+              </a:ext>
+            </a:extLst>
+          </p:cNvPr>
+          <p:cNvPicPr>
+            <a:picLocks noChangeAspect="1"/>
+          </p:cNvPicPr>
+          <p:nvPr/>
+        </p:nvPicPr>
+        <p:blipFill>
+          <a:blip r:embed="rId2"/>
+          <a:stretch>
+            <a:fillRect/>
+          </a:stretch>
+        </p:blipFill>
+        <p:spPr>
+          <a:xfrm>
+            <a:off x="1918704" y="2433498"/>
+            <a:ext cx="8354591" cy="1991003"/>
+          </a:xfrm>
+          <a:prstGeom prst="rect">
+            <a:avLst/>
+          </a:prstGeom>
+        </p:spPr>
+      </p:pic>
     </p:spTree>
     <p:extLst>
       <p:ext uri="{BB962C8B-B14F-4D97-AF65-F5344CB8AC3E}">
@@ -8847,36 +8847,6 @@
           </p:style>
         </p:cxnSp>
       </p:grpSp>
-      <p:pic>
-        <p:nvPicPr>
-          <p:cNvPr id="4" name="Kép 3" descr="A képen szöveg, Betűtípus, képernyőkép, fekete látható&#10;&#10;Automatikusan generált leírás">
-            <a:extLst>
-              <a:ext uri="{FF2B5EF4-FFF2-40B4-BE49-F238E27FC236}">
-                <a16:creationId xmlns:a16="http://schemas.microsoft.com/office/drawing/2014/main" id="{00A7CD39-1A75-E90E-F29E-95114B74ED59}"/>
-              </a:ext>
-            </a:extLst>
-          </p:cNvPr>
-          <p:cNvPicPr>
-            <a:picLocks noChangeAspect="1"/>
-          </p:cNvPicPr>
-          <p:nvPr/>
-        </p:nvPicPr>
-        <p:blipFill>
-          <a:blip r:embed="rId2"/>
-          <a:stretch>
-            <a:fillRect/>
-          </a:stretch>
-        </p:blipFill>
-        <p:spPr>
-          <a:xfrm>
-            <a:off x="631359" y="3366458"/>
-            <a:ext cx="10843065" cy="2304151"/>
-          </a:xfrm>
-          <a:prstGeom prst="rect">
-            <a:avLst/>
-          </a:prstGeom>
-        </p:spPr>
-      </p:pic>
       <p:grpSp>
         <p:nvGrpSpPr>
           <p:cNvPr id="37" name="Group 36">
@@ -9137,6 +9107,36 @@
           </p:style>
         </p:cxnSp>
       </p:grpSp>
+      <p:pic>
+        <p:nvPicPr>
+          <p:cNvPr id="5" name="Kép 4">
+            <a:extLst>
+              <a:ext uri="{FF2B5EF4-FFF2-40B4-BE49-F238E27FC236}">
+                <a16:creationId xmlns:a16="http://schemas.microsoft.com/office/drawing/2014/main" id="{24353638-3FA2-91FD-6639-4C5C8919E3C3}"/>
+              </a:ext>
+            </a:extLst>
+          </p:cNvPr>
+          <p:cNvPicPr>
+            <a:picLocks noChangeAspect="1"/>
+          </p:cNvPicPr>
+          <p:nvPr/>
+        </p:nvPicPr>
+        <p:blipFill>
+          <a:blip r:embed="rId2"/>
+          <a:stretch>
+            <a:fillRect/>
+          </a:stretch>
+        </p:blipFill>
+        <p:spPr>
+          <a:xfrm>
+            <a:off x="473941" y="3228874"/>
+            <a:ext cx="11241069" cy="1514686"/>
+          </a:xfrm>
+          <a:prstGeom prst="rect">
+            <a:avLst/>
+          </a:prstGeom>
+        </p:spPr>
+      </p:pic>
     </p:spTree>
     <p:extLst>
       <p:ext uri="{BB962C8B-B14F-4D97-AF65-F5344CB8AC3E}">

--- a/Utazási- Iroda.pptx
+++ b/Utazási- Iroda.pptx
@@ -13113,36 +13113,6 @@
           </p:style>
         </p:cxnSp>
       </p:grpSp>
-      <p:pic>
-        <p:nvPicPr>
-          <p:cNvPr id="5" name="Kép 4">
-            <a:extLst>
-              <a:ext uri="{FF2B5EF4-FFF2-40B4-BE49-F238E27FC236}">
-                <a16:creationId xmlns:a16="http://schemas.microsoft.com/office/drawing/2014/main" id="{EF3A023D-FE7D-EB04-D515-9CADDC7104D6}"/>
-              </a:ext>
-            </a:extLst>
-          </p:cNvPr>
-          <p:cNvPicPr>
-            <a:picLocks noChangeAspect="1"/>
-          </p:cNvPicPr>
-          <p:nvPr/>
-        </p:nvPicPr>
-        <p:blipFill>
-          <a:blip r:embed="rId2"/>
-          <a:stretch>
-            <a:fillRect/>
-          </a:stretch>
-        </p:blipFill>
-        <p:spPr>
-          <a:xfrm>
-            <a:off x="1486110" y="2885910"/>
-            <a:ext cx="9133562" cy="3265248"/>
-          </a:xfrm>
-          <a:prstGeom prst="rect">
-            <a:avLst/>
-          </a:prstGeom>
-        </p:spPr>
-      </p:pic>
       <p:grpSp>
         <p:nvGrpSpPr>
           <p:cNvPr id="38" name="Group 37">
@@ -13403,6 +13373,36 @@
           </p:style>
         </p:cxnSp>
       </p:grpSp>
+      <p:pic>
+        <p:nvPicPr>
+          <p:cNvPr id="4" name="Kép 3">
+            <a:extLst>
+              <a:ext uri="{FF2B5EF4-FFF2-40B4-BE49-F238E27FC236}">
+                <a16:creationId xmlns:a16="http://schemas.microsoft.com/office/drawing/2014/main" id="{E3AA21AC-4C87-C457-6D97-1EB746AE3FFA}"/>
+              </a:ext>
+            </a:extLst>
+          </p:cNvPr>
+          <p:cNvPicPr>
+            <a:picLocks noChangeAspect="1"/>
+          </p:cNvPicPr>
+          <p:nvPr/>
+        </p:nvPicPr>
+        <p:blipFill>
+          <a:blip r:embed="rId2"/>
+          <a:stretch>
+            <a:fillRect/>
+          </a:stretch>
+        </p:blipFill>
+        <p:spPr>
+          <a:xfrm>
+            <a:off x="2187916" y="1425676"/>
+            <a:ext cx="6191302" cy="5432323"/>
+          </a:xfrm>
+          <a:prstGeom prst="rect">
+            <a:avLst/>
+          </a:prstGeom>
+        </p:spPr>
+      </p:pic>
     </p:spTree>
     <p:extLst>
       <p:ext uri="{BB962C8B-B14F-4D97-AF65-F5344CB8AC3E}">
